--- a/images/record/Kubernetes_kubespray_Ubuntu_18.04_OpenStack/Kubernetes_Install.pptx
+++ b/images/record/Kubernetes_kubespray_Ubuntu_18.04_OpenStack/Kubernetes_Install.pptx
@@ -213,7 +213,7 @@
           <a:p>
             <a:fld id="{6CD5550B-26C4-49A9-A5BA-636EF7BE6CE9}" type="datetimeFigureOut">
               <a:rPr lang="ko-KR" altLang="en-US" smtClean="0"/>
-              <a:t>2019-07-19</a:t>
+              <a:t>2019-07-22</a:t>
             </a:fld>
             <a:endParaRPr lang="ko-KR" altLang="en-US"/>
           </a:p>
@@ -743,7 +743,7 @@
           <a:p>
             <a:fld id="{FB30EDBD-1C2D-4C1E-B459-B60219FAB484}" type="datetimeFigureOut">
               <a:rPr lang="ko-KR" altLang="en-US" smtClean="0"/>
-              <a:t>2019-07-19</a:t>
+              <a:t>2019-07-22</a:t>
             </a:fld>
             <a:endParaRPr lang="ko-KR" altLang="en-US"/>
           </a:p>
@@ -906,7 +906,7 @@
           <a:p>
             <a:fld id="{FB30EDBD-1C2D-4C1E-B459-B60219FAB484}" type="datetimeFigureOut">
               <a:rPr lang="ko-KR" altLang="en-US" smtClean="0"/>
-              <a:t>2019-07-19</a:t>
+              <a:t>2019-07-22</a:t>
             </a:fld>
             <a:endParaRPr lang="ko-KR" altLang="en-US"/>
           </a:p>
@@ -1079,7 +1079,7 @@
           <a:p>
             <a:fld id="{FB30EDBD-1C2D-4C1E-B459-B60219FAB484}" type="datetimeFigureOut">
               <a:rPr lang="ko-KR" altLang="en-US" smtClean="0"/>
-              <a:t>2019-07-19</a:t>
+              <a:t>2019-07-22</a:t>
             </a:fld>
             <a:endParaRPr lang="ko-KR" altLang="en-US"/>
           </a:p>
@@ -1242,7 +1242,7 @@
           <a:p>
             <a:fld id="{FB30EDBD-1C2D-4C1E-B459-B60219FAB484}" type="datetimeFigureOut">
               <a:rPr lang="ko-KR" altLang="en-US" smtClean="0"/>
-              <a:t>2019-07-19</a:t>
+              <a:t>2019-07-22</a:t>
             </a:fld>
             <a:endParaRPr lang="ko-KR" altLang="en-US"/>
           </a:p>
@@ -1482,7 +1482,7 @@
           <a:p>
             <a:fld id="{FB30EDBD-1C2D-4C1E-B459-B60219FAB484}" type="datetimeFigureOut">
               <a:rPr lang="ko-KR" altLang="en-US" smtClean="0"/>
-              <a:t>2019-07-19</a:t>
+              <a:t>2019-07-22</a:t>
             </a:fld>
             <a:endParaRPr lang="ko-KR" altLang="en-US"/>
           </a:p>
@@ -1762,7 +1762,7 @@
           <a:p>
             <a:fld id="{FB30EDBD-1C2D-4C1E-B459-B60219FAB484}" type="datetimeFigureOut">
               <a:rPr lang="ko-KR" altLang="en-US" smtClean="0"/>
-              <a:t>2019-07-19</a:t>
+              <a:t>2019-07-22</a:t>
             </a:fld>
             <a:endParaRPr lang="ko-KR" altLang="en-US"/>
           </a:p>
@@ -2176,7 +2176,7 @@
           <a:p>
             <a:fld id="{FB30EDBD-1C2D-4C1E-B459-B60219FAB484}" type="datetimeFigureOut">
               <a:rPr lang="ko-KR" altLang="en-US" smtClean="0"/>
-              <a:t>2019-07-19</a:t>
+              <a:t>2019-07-22</a:t>
             </a:fld>
             <a:endParaRPr lang="ko-KR" altLang="en-US"/>
           </a:p>
@@ -2288,7 +2288,7 @@
           <a:p>
             <a:fld id="{FB30EDBD-1C2D-4C1E-B459-B60219FAB484}" type="datetimeFigureOut">
               <a:rPr lang="ko-KR" altLang="en-US" smtClean="0"/>
-              <a:t>2019-07-19</a:t>
+              <a:t>2019-07-22</a:t>
             </a:fld>
             <a:endParaRPr lang="ko-KR" altLang="en-US"/>
           </a:p>
@@ -2378,7 +2378,7 @@
           <a:p>
             <a:fld id="{FB30EDBD-1C2D-4C1E-B459-B60219FAB484}" type="datetimeFigureOut">
               <a:rPr lang="ko-KR" altLang="en-US" smtClean="0"/>
-              <a:t>2019-07-19</a:t>
+              <a:t>2019-07-22</a:t>
             </a:fld>
             <a:endParaRPr lang="ko-KR" altLang="en-US"/>
           </a:p>
@@ -2648,7 +2648,7 @@
           <a:p>
             <a:fld id="{FB30EDBD-1C2D-4C1E-B459-B60219FAB484}" type="datetimeFigureOut">
               <a:rPr lang="ko-KR" altLang="en-US" smtClean="0"/>
-              <a:t>2019-07-19</a:t>
+              <a:t>2019-07-22</a:t>
             </a:fld>
             <a:endParaRPr lang="ko-KR" altLang="en-US"/>
           </a:p>
@@ -2895,7 +2895,7 @@
           <a:p>
             <a:fld id="{FB30EDBD-1C2D-4C1E-B459-B60219FAB484}" type="datetimeFigureOut">
               <a:rPr lang="ko-KR" altLang="en-US" smtClean="0"/>
-              <a:t>2019-07-19</a:t>
+              <a:t>2019-07-22</a:t>
             </a:fld>
             <a:endParaRPr lang="ko-KR" altLang="en-US"/>
           </a:p>
@@ -3101,7 +3101,7 @@
           <a:p>
             <a:fld id="{FB30EDBD-1C2D-4C1E-B459-B60219FAB484}" type="datetimeFigureOut">
               <a:rPr lang="ko-KR" altLang="en-US" smtClean="0"/>
-              <a:t>2019-07-19</a:t>
+              <a:t>2019-07-22</a:t>
             </a:fld>
             <a:endParaRPr lang="ko-KR" altLang="en-US"/>
           </a:p>
@@ -3551,7 +3551,7 @@
             </a:r>
             <a:r>
               <a:rPr lang="en-US" altLang="ko-KR" sz="1600" b="1" dirty="0"/>
-              <a:t>2</a:t>
+              <a:t>4</a:t>
             </a:r>
             <a:r>
               <a:rPr lang="en-US" altLang="ko-KR" sz="1600" b="1"/>
@@ -3741,7 +3741,7 @@
             </a:r>
             <a:r>
               <a:rPr lang="en-US" altLang="ko-KR" sz="1600" b="1" dirty="0"/>
-              <a:t>2</a:t>
+              <a:t>4</a:t>
             </a:r>
             <a:r>
               <a:rPr lang="en-US" altLang="ko-KR" sz="1600" b="1"/>
@@ -4045,7 +4045,7 @@
             </a:r>
             <a:r>
               <a:rPr lang="en-US" altLang="ko-KR" sz="1600" b="1" dirty="0"/>
-              <a:t>2</a:t>
+              <a:t>4</a:t>
             </a:r>
             <a:r>
               <a:rPr lang="en-US" altLang="ko-KR" sz="1600" b="1"/>
@@ -4361,15 +4361,7 @@
             <a:pPr algn="ctr"/>
             <a:r>
               <a:rPr lang="en-US" altLang="ko-KR" sz="1600" b="1"/>
-              <a:t>(</a:t>
-            </a:r>
-            <a:r>
-              <a:rPr lang="en-US" altLang="ko-KR" sz="1600" b="1" dirty="0"/>
-              <a:t>2</a:t>
-            </a:r>
-            <a:r>
-              <a:rPr lang="en-US" altLang="ko-KR" sz="1600" b="1"/>
-              <a:t>vCPU</a:t>
+              <a:t>(4vCPU</a:t>
             </a:r>
             <a:r>
               <a:rPr lang="en-US" altLang="ko-KR" sz="1600" b="1" dirty="0"/>

--- a/images/record/Kubernetes_kubespray_Ubuntu_18.04_OpenStack/Kubernetes_Install.pptx
+++ b/images/record/Kubernetes_kubespray_Ubuntu_18.04_OpenStack/Kubernetes_Install.pptx
@@ -5,10 +5,11 @@
     <p:sldMasterId id="2147483648" r:id="rId1"/>
   </p:sldMasterIdLst>
   <p:notesMasterIdLst>
-    <p:notesMasterId r:id="rId3"/>
+    <p:notesMasterId r:id="rId4"/>
   </p:notesMasterIdLst>
   <p:sldIdLst>
-    <p:sldId id="390" r:id="rId2"/>
+    <p:sldId id="392" r:id="rId2"/>
+    <p:sldId id="390" r:id="rId3"/>
   </p:sldIdLst>
   <p:sldSz cx="9144000" cy="5143500" type="screen16x9"/>
   <p:notesSz cx="6858000" cy="9144000"/>
@@ -546,6 +547,90 @@
             <a:fld id="{BA5DFA43-8D57-47FB-BC46-057616015C3B}" type="slidenum">
               <a:rPr lang="ko-KR" altLang="en-US" smtClean="0"/>
               <a:t>1</a:t>
+            </a:fld>
+            <a:endParaRPr lang="ko-KR" altLang="en-US"/>
+          </a:p>
+        </p:txBody>
+      </p:sp>
+    </p:spTree>
+    <p:extLst>
+      <p:ext uri="{BB962C8B-B14F-4D97-AF65-F5344CB8AC3E}">
+        <p14:creationId xmlns:p14="http://schemas.microsoft.com/office/powerpoint/2010/main" val="556588518"/>
+      </p:ext>
+    </p:extLst>
+  </p:cSld>
+  <p:clrMapOvr>
+    <a:masterClrMapping/>
+  </p:clrMapOvr>
+</p:notes>
+</file>
+
+<file path=ppt/notesSlides/notesSlide2.xml><?xml version="1.0" encoding="utf-8"?>
+<p:notes xmlns:a="http://schemas.openxmlformats.org/drawingml/2006/main" xmlns:r="http://schemas.openxmlformats.org/officeDocument/2006/relationships" xmlns:p="http://schemas.openxmlformats.org/presentationml/2006/main">
+  <p:cSld>
+    <p:spTree>
+      <p:nvGrpSpPr>
+        <p:cNvPr id="1" name=""/>
+        <p:cNvGrpSpPr/>
+        <p:nvPr/>
+      </p:nvGrpSpPr>
+      <p:grpSpPr>
+        <a:xfrm>
+          <a:off x="0" y="0"/>
+          <a:ext cx="0" cy="0"/>
+          <a:chOff x="0" y="0"/>
+          <a:chExt cx="0" cy="0"/>
+        </a:xfrm>
+      </p:grpSpPr>
+      <p:sp>
+        <p:nvSpPr>
+          <p:cNvPr id="2" name="슬라이드 이미지 개체 틀 1"/>
+          <p:cNvSpPr>
+            <a:spLocks noGrp="1" noRot="1" noChangeAspect="1"/>
+          </p:cNvSpPr>
+          <p:nvPr>
+            <p:ph type="sldImg"/>
+          </p:nvPr>
+        </p:nvSpPr>
+        <p:spPr/>
+      </p:sp>
+      <p:sp>
+        <p:nvSpPr>
+          <p:cNvPr id="3" name="슬라이드 노트 개체 틀 2"/>
+          <p:cNvSpPr>
+            <a:spLocks noGrp="1"/>
+          </p:cNvSpPr>
+          <p:nvPr>
+            <p:ph type="body" idx="1"/>
+          </p:nvPr>
+        </p:nvSpPr>
+        <p:spPr/>
+        <p:txBody>
+          <a:bodyPr/>
+          <a:lstStyle/>
+          <a:p>
+            <a:endParaRPr lang="ko-KR" altLang="en-US" dirty="0"/>
+          </a:p>
+        </p:txBody>
+      </p:sp>
+      <p:sp>
+        <p:nvSpPr>
+          <p:cNvPr id="4" name="슬라이드 번호 개체 틀 3"/>
+          <p:cNvSpPr>
+            <a:spLocks noGrp="1"/>
+          </p:cNvSpPr>
+          <p:nvPr>
+            <p:ph type="sldNum" sz="quarter" idx="10"/>
+          </p:nvPr>
+        </p:nvSpPr>
+        <p:spPr/>
+        <p:txBody>
+          <a:bodyPr/>
+          <a:lstStyle/>
+          <a:p>
+            <a:fld id="{BA5DFA43-8D57-47FB-BC46-057616015C3B}" type="slidenum">
+              <a:rPr lang="ko-KR" altLang="en-US" smtClean="0"/>
+              <a:t>2</a:t>
             </a:fld>
             <a:endParaRPr lang="ko-KR" altLang="en-US"/>
           </a:p>
@@ -3455,6 +3540,1538 @@
 </file>
 
 <file path=ppt/slides/slide1.xml><?xml version="1.0" encoding="utf-8"?>
+<p:sld xmlns:a="http://schemas.openxmlformats.org/drawingml/2006/main" xmlns:r="http://schemas.openxmlformats.org/officeDocument/2006/relationships" xmlns:p="http://schemas.openxmlformats.org/presentationml/2006/main">
+  <p:cSld>
+    <p:spTree>
+      <p:nvGrpSpPr>
+        <p:cNvPr id="1" name=""/>
+        <p:cNvGrpSpPr/>
+        <p:nvPr/>
+      </p:nvGrpSpPr>
+      <p:grpSpPr>
+        <a:xfrm>
+          <a:off x="0" y="0"/>
+          <a:ext cx="0" cy="0"/>
+          <a:chOff x="0" y="0"/>
+          <a:chExt cx="0" cy="0"/>
+        </a:xfrm>
+      </p:grpSpPr>
+      <p:sp>
+        <p:nvSpPr>
+          <p:cNvPr id="6" name="제목 1"/>
+          <p:cNvSpPr>
+            <a:spLocks noGrp="1"/>
+          </p:cNvSpPr>
+          <p:nvPr>
+            <p:ph type="title"/>
+          </p:nvPr>
+        </p:nvSpPr>
+        <p:spPr>
+          <a:xfrm>
+            <a:off x="457200" y="-20538"/>
+            <a:ext cx="8229600" cy="857250"/>
+          </a:xfrm>
+        </p:spPr>
+        <p:txBody>
+          <a:bodyPr>
+            <a:normAutofit/>
+          </a:bodyPr>
+          <a:lstStyle/>
+          <a:p>
+            <a:r>
+              <a:rPr lang="en-US" altLang="ko-KR"/>
+              <a:t>Environment</a:t>
+            </a:r>
+            <a:endParaRPr lang="ko-KR" altLang="en-US" dirty="0"/>
+          </a:p>
+        </p:txBody>
+      </p:sp>
+      <p:sp>
+        <p:nvSpPr>
+          <p:cNvPr id="14" name="모서리가 둥근 직사각형 13"/>
+          <p:cNvSpPr/>
+          <p:nvPr/>
+        </p:nvSpPr>
+        <p:spPr>
+          <a:xfrm>
+            <a:off x="24682" y="1995685"/>
+            <a:ext cx="1401808" cy="1465971"/>
+          </a:xfrm>
+          <a:prstGeom prst="roundRect">
+            <a:avLst>
+              <a:gd name="adj" fmla="val 6281"/>
+            </a:avLst>
+          </a:prstGeom>
+          <a:noFill/>
+        </p:spPr>
+        <p:style>
+          <a:lnRef idx="2">
+            <a:schemeClr val="dk1"/>
+          </a:lnRef>
+          <a:fillRef idx="1">
+            <a:schemeClr val="lt1"/>
+          </a:fillRef>
+          <a:effectRef idx="0">
+            <a:schemeClr val="dk1"/>
+          </a:effectRef>
+          <a:fontRef idx="minor">
+            <a:schemeClr val="dk1"/>
+          </a:fontRef>
+        </p:style>
+        <p:txBody>
+          <a:bodyPr rtlCol="0" anchor="t"/>
+          <a:lstStyle/>
+          <a:p>
+            <a:pPr algn="ctr"/>
+            <a:r>
+              <a:rPr lang="en-US" altLang="ko-KR" sz="1200"/>
+              <a:t>Node 01 : ODROID-H2</a:t>
+            </a:r>
+          </a:p>
+          <a:p>
+            <a:pPr algn="ctr"/>
+            <a:r>
+              <a:rPr lang="en-US" altLang="ko-KR" sz="1200"/>
+              <a:t>Controller Node</a:t>
+            </a:r>
+          </a:p>
+        </p:txBody>
+      </p:sp>
+      <p:sp>
+        <p:nvSpPr>
+          <p:cNvPr id="19" name="모서리가 둥근 직사각형 18"/>
+          <p:cNvSpPr/>
+          <p:nvPr/>
+        </p:nvSpPr>
+        <p:spPr>
+          <a:xfrm>
+            <a:off x="146865" y="2701315"/>
+            <a:ext cx="1157442" cy="688335"/>
+          </a:xfrm>
+          <a:prstGeom prst="roundRect">
+            <a:avLst>
+              <a:gd name="adj" fmla="val 11578"/>
+            </a:avLst>
+          </a:prstGeom>
+          <a:noFill/>
+        </p:spPr>
+        <p:style>
+          <a:lnRef idx="2">
+            <a:schemeClr val="dk1"/>
+          </a:lnRef>
+          <a:fillRef idx="1">
+            <a:schemeClr val="lt1"/>
+          </a:fillRef>
+          <a:effectRef idx="0">
+            <a:schemeClr val="dk1"/>
+          </a:effectRef>
+          <a:fontRef idx="minor">
+            <a:schemeClr val="dk1"/>
+          </a:fontRef>
+        </p:style>
+        <p:txBody>
+          <a:bodyPr rtlCol="0" anchor="ctr"/>
+          <a:lstStyle/>
+          <a:p>
+            <a:pPr algn="ctr"/>
+            <a:r>
+              <a:rPr lang="en-US" altLang="ko-KR" sz="1100"/>
+              <a:t>enp0s2</a:t>
+            </a:r>
+          </a:p>
+          <a:p>
+            <a:pPr algn="ctr"/>
+            <a:r>
+              <a:rPr lang="en-US" altLang="ko-KR" sz="1100"/>
+              <a:t>192.168.0.31</a:t>
+            </a:r>
+          </a:p>
+          <a:p>
+            <a:pPr algn="ctr"/>
+            <a:r>
+              <a:rPr lang="en-US" altLang="ko-KR" sz="1100" b="1"/>
+              <a:t>192.168.0.40</a:t>
+            </a:r>
+            <a:endParaRPr lang="en-US" altLang="ko-KR" sz="1100" b="1" dirty="0"/>
+          </a:p>
+        </p:txBody>
+      </p:sp>
+      <p:sp>
+        <p:nvSpPr>
+          <p:cNvPr id="47" name="모서리가 둥근 직사각형 46"/>
+          <p:cNvSpPr/>
+          <p:nvPr/>
+        </p:nvSpPr>
+        <p:spPr>
+          <a:xfrm>
+            <a:off x="2742384" y="4065918"/>
+            <a:ext cx="1301370" cy="530476"/>
+          </a:xfrm>
+          <a:prstGeom prst="roundRect">
+            <a:avLst>
+              <a:gd name="adj" fmla="val 11578"/>
+            </a:avLst>
+          </a:prstGeom>
+          <a:noFill/>
+        </p:spPr>
+        <p:style>
+          <a:lnRef idx="2">
+            <a:schemeClr val="dk1"/>
+          </a:lnRef>
+          <a:fillRef idx="1">
+            <a:schemeClr val="lt1"/>
+          </a:fillRef>
+          <a:effectRef idx="0">
+            <a:schemeClr val="dk1"/>
+          </a:effectRef>
+          <a:fontRef idx="minor">
+            <a:schemeClr val="dk1"/>
+          </a:fontRef>
+        </p:style>
+        <p:txBody>
+          <a:bodyPr rtlCol="0" anchor="ctr"/>
+          <a:lstStyle/>
+          <a:p>
+            <a:pPr algn="ctr"/>
+            <a:r>
+              <a:rPr lang="en-US" altLang="ko-KR" sz="1100"/>
+              <a:t>NAT Network</a:t>
+            </a:r>
+          </a:p>
+          <a:p>
+            <a:pPr algn="ctr"/>
+            <a:r>
+              <a:rPr lang="en-US" altLang="ko-KR" sz="1100"/>
+              <a:t>192.168.0.0/24</a:t>
+            </a:r>
+            <a:endParaRPr lang="en-US" altLang="ko-KR" sz="1100" dirty="0"/>
+          </a:p>
+        </p:txBody>
+      </p:sp>
+      <p:sp>
+        <p:nvSpPr>
+          <p:cNvPr id="48" name="모서리가 둥근 직사각형 47"/>
+          <p:cNvSpPr/>
+          <p:nvPr/>
+        </p:nvSpPr>
+        <p:spPr>
+          <a:xfrm>
+            <a:off x="6583295" y="4065917"/>
+            <a:ext cx="1301368" cy="530476"/>
+          </a:xfrm>
+          <a:prstGeom prst="roundRect">
+            <a:avLst>
+              <a:gd name="adj" fmla="val 11578"/>
+            </a:avLst>
+          </a:prstGeom>
+          <a:noFill/>
+        </p:spPr>
+        <p:style>
+          <a:lnRef idx="2">
+            <a:schemeClr val="dk1"/>
+          </a:lnRef>
+          <a:fillRef idx="1">
+            <a:schemeClr val="lt1"/>
+          </a:fillRef>
+          <a:effectRef idx="0">
+            <a:schemeClr val="dk1"/>
+          </a:effectRef>
+          <a:fontRef idx="minor">
+            <a:schemeClr val="dk1"/>
+          </a:fontRef>
+        </p:style>
+        <p:txBody>
+          <a:bodyPr rtlCol="0" anchor="ctr"/>
+          <a:lstStyle/>
+          <a:p>
+            <a:pPr algn="ctr"/>
+            <a:r>
+              <a:rPr lang="en-US" altLang="ko-KR" sz="1100"/>
+              <a:t>Tenant Network</a:t>
+            </a:r>
+          </a:p>
+          <a:p>
+            <a:pPr algn="ctr"/>
+            <a:r>
+              <a:rPr lang="en-US" altLang="ko-KR" sz="1100"/>
+              <a:t>20.0.0.0/24</a:t>
+            </a:r>
+            <a:endParaRPr lang="en-US" altLang="ko-KR" sz="1100" dirty="0"/>
+          </a:p>
+        </p:txBody>
+      </p:sp>
+      <p:sp>
+        <p:nvSpPr>
+          <p:cNvPr id="34" name="모서리가 둥근 직사각형 18">
+            <a:extLst>
+              <a:ext uri="{FF2B5EF4-FFF2-40B4-BE49-F238E27FC236}">
+                <a16:creationId xmlns:a16="http://schemas.microsoft.com/office/drawing/2014/main" id="{26F7F766-C795-40E1-8025-59E338CADCB8}"/>
+              </a:ext>
+            </a:extLst>
+          </p:cNvPr>
+          <p:cNvSpPr/>
+          <p:nvPr/>
+        </p:nvSpPr>
+        <p:spPr>
+          <a:xfrm>
+            <a:off x="6655258" y="2885994"/>
+            <a:ext cx="1157442" cy="504056"/>
+          </a:xfrm>
+          <a:prstGeom prst="roundRect">
+            <a:avLst>
+              <a:gd name="adj" fmla="val 11578"/>
+            </a:avLst>
+          </a:prstGeom>
+          <a:noFill/>
+        </p:spPr>
+        <p:style>
+          <a:lnRef idx="2">
+            <a:schemeClr val="dk1"/>
+          </a:lnRef>
+          <a:fillRef idx="1">
+            <a:schemeClr val="lt1"/>
+          </a:fillRef>
+          <a:effectRef idx="0">
+            <a:schemeClr val="dk1"/>
+          </a:effectRef>
+          <a:fontRef idx="minor">
+            <a:schemeClr val="dk1"/>
+          </a:fontRef>
+        </p:style>
+        <p:txBody>
+          <a:bodyPr rtlCol="0" anchor="ctr"/>
+          <a:lstStyle/>
+          <a:p>
+            <a:pPr algn="ctr"/>
+            <a:r>
+              <a:rPr lang="en-US" altLang="ko-KR" sz="1100"/>
+              <a:t>enp0s2 192.168.0.33</a:t>
+            </a:r>
+          </a:p>
+        </p:txBody>
+      </p:sp>
+      <p:cxnSp>
+        <p:nvCxnSpPr>
+          <p:cNvPr id="37" name="직선 연결선 36">
+            <a:extLst>
+              <a:ext uri="{FF2B5EF4-FFF2-40B4-BE49-F238E27FC236}">
+                <a16:creationId xmlns:a16="http://schemas.microsoft.com/office/drawing/2014/main" id="{B51BA3EC-5B06-4C3F-84DA-6012337062A5}"/>
+              </a:ext>
+            </a:extLst>
+          </p:cNvPr>
+          <p:cNvCxnSpPr>
+            <a:cxnSpLocks/>
+            <a:stCxn id="19" idx="2"/>
+            <a:endCxn id="47" idx="0"/>
+          </p:cNvCxnSpPr>
+          <p:nvPr/>
+        </p:nvCxnSpPr>
+        <p:spPr>
+          <a:xfrm>
+            <a:off x="725586" y="3389650"/>
+            <a:ext cx="2667483" cy="676268"/>
+          </a:xfrm>
+          <a:prstGeom prst="line">
+            <a:avLst/>
+          </a:prstGeom>
+          <a:ln w="28575">
+            <a:solidFill>
+              <a:schemeClr val="tx1"/>
+            </a:solidFill>
+          </a:ln>
+        </p:spPr>
+        <p:style>
+          <a:lnRef idx="1">
+            <a:schemeClr val="accent1"/>
+          </a:lnRef>
+          <a:fillRef idx="0">
+            <a:schemeClr val="accent1"/>
+          </a:fillRef>
+          <a:effectRef idx="0">
+            <a:schemeClr val="accent1"/>
+          </a:effectRef>
+          <a:fontRef idx="minor">
+            <a:schemeClr val="tx1"/>
+          </a:fontRef>
+        </p:style>
+      </p:cxnSp>
+      <p:cxnSp>
+        <p:nvCxnSpPr>
+          <p:cNvPr id="43" name="직선 연결선 42">
+            <a:extLst>
+              <a:ext uri="{FF2B5EF4-FFF2-40B4-BE49-F238E27FC236}">
+                <a16:creationId xmlns:a16="http://schemas.microsoft.com/office/drawing/2014/main" id="{D166F931-E4AF-47A5-8E66-DA86BB53BAEF}"/>
+              </a:ext>
+            </a:extLst>
+          </p:cNvPr>
+          <p:cNvCxnSpPr>
+            <a:cxnSpLocks/>
+            <a:stCxn id="77" idx="2"/>
+            <a:endCxn id="47" idx="0"/>
+          </p:cNvCxnSpPr>
+          <p:nvPr/>
+        </p:nvCxnSpPr>
+        <p:spPr>
+          <a:xfrm>
+            <a:off x="3388128" y="3390050"/>
+            <a:ext cx="4941" cy="675868"/>
+          </a:xfrm>
+          <a:prstGeom prst="line">
+            <a:avLst/>
+          </a:prstGeom>
+          <a:ln w="28575">
+            <a:solidFill>
+              <a:schemeClr val="tx1"/>
+            </a:solidFill>
+          </a:ln>
+        </p:spPr>
+        <p:style>
+          <a:lnRef idx="1">
+            <a:schemeClr val="accent1"/>
+          </a:lnRef>
+          <a:fillRef idx="0">
+            <a:schemeClr val="accent1"/>
+          </a:fillRef>
+          <a:effectRef idx="0">
+            <a:schemeClr val="accent1"/>
+          </a:effectRef>
+          <a:fontRef idx="minor">
+            <a:schemeClr val="tx1"/>
+          </a:fontRef>
+        </p:style>
+      </p:cxnSp>
+      <p:cxnSp>
+        <p:nvCxnSpPr>
+          <p:cNvPr id="44" name="직선 연결선 43">
+            <a:extLst>
+              <a:ext uri="{FF2B5EF4-FFF2-40B4-BE49-F238E27FC236}">
+                <a16:creationId xmlns:a16="http://schemas.microsoft.com/office/drawing/2014/main" id="{795051FC-8211-4660-970C-D8907CA0FFF5}"/>
+              </a:ext>
+            </a:extLst>
+          </p:cNvPr>
+          <p:cNvCxnSpPr>
+            <a:cxnSpLocks/>
+            <a:stCxn id="34" idx="2"/>
+            <a:endCxn id="47" idx="0"/>
+          </p:cNvCxnSpPr>
+          <p:nvPr/>
+        </p:nvCxnSpPr>
+        <p:spPr>
+          <a:xfrm flipH="1">
+            <a:off x="3393069" y="3390050"/>
+            <a:ext cx="3840910" cy="675868"/>
+          </a:xfrm>
+          <a:prstGeom prst="line">
+            <a:avLst/>
+          </a:prstGeom>
+          <a:ln w="28575">
+            <a:solidFill>
+              <a:schemeClr val="tx1"/>
+            </a:solidFill>
+          </a:ln>
+        </p:spPr>
+        <p:style>
+          <a:lnRef idx="1">
+            <a:schemeClr val="accent1"/>
+          </a:lnRef>
+          <a:fillRef idx="0">
+            <a:schemeClr val="accent1"/>
+          </a:fillRef>
+          <a:effectRef idx="0">
+            <a:schemeClr val="accent1"/>
+          </a:effectRef>
+          <a:fontRef idx="minor">
+            <a:schemeClr val="tx1"/>
+          </a:fontRef>
+        </p:style>
+      </p:cxnSp>
+      <p:cxnSp>
+        <p:nvCxnSpPr>
+          <p:cNvPr id="61" name="직선 연결선 60">
+            <a:extLst>
+              <a:ext uri="{FF2B5EF4-FFF2-40B4-BE49-F238E27FC236}">
+                <a16:creationId xmlns:a16="http://schemas.microsoft.com/office/drawing/2014/main" id="{22CE2104-8D93-4E45-986A-BF7565E4A746}"/>
+              </a:ext>
+            </a:extLst>
+          </p:cNvPr>
+          <p:cNvCxnSpPr>
+            <a:cxnSpLocks/>
+            <a:stCxn id="47" idx="1"/>
+            <a:endCxn id="22" idx="0"/>
+          </p:cNvCxnSpPr>
+          <p:nvPr/>
+        </p:nvCxnSpPr>
+        <p:spPr>
+          <a:xfrm flipH="1" flipV="1">
+            <a:off x="2462034" y="4331155"/>
+            <a:ext cx="280350" cy="1"/>
+          </a:xfrm>
+          <a:prstGeom prst="line">
+            <a:avLst/>
+          </a:prstGeom>
+          <a:ln w="28575">
+            <a:solidFill>
+              <a:schemeClr val="tx1"/>
+            </a:solidFill>
+          </a:ln>
+        </p:spPr>
+        <p:style>
+          <a:lnRef idx="1">
+            <a:schemeClr val="accent1"/>
+          </a:lnRef>
+          <a:fillRef idx="0">
+            <a:schemeClr val="accent1"/>
+          </a:fillRef>
+          <a:effectRef idx="0">
+            <a:schemeClr val="accent1"/>
+          </a:effectRef>
+          <a:fontRef idx="minor">
+            <a:schemeClr val="tx1"/>
+          </a:fontRef>
+        </p:style>
+      </p:cxnSp>
+      <p:sp>
+        <p:nvSpPr>
+          <p:cNvPr id="22" name="구름 21">
+            <a:extLst>
+              <a:ext uri="{FF2B5EF4-FFF2-40B4-BE49-F238E27FC236}">
+                <a16:creationId xmlns:a16="http://schemas.microsoft.com/office/drawing/2014/main" id="{984A4AF2-1077-4A0B-8B0B-A9B19F37D383}"/>
+              </a:ext>
+            </a:extLst>
+          </p:cNvPr>
+          <p:cNvSpPr/>
+          <p:nvPr/>
+        </p:nvSpPr>
+        <p:spPr>
+          <a:xfrm>
+            <a:off x="1352631" y="4039700"/>
+            <a:ext cx="1110328" cy="582910"/>
+          </a:xfrm>
+          <a:prstGeom prst="cloud">
+            <a:avLst/>
+          </a:prstGeom>
+        </p:spPr>
+        <p:style>
+          <a:lnRef idx="2">
+            <a:schemeClr val="dk1"/>
+          </a:lnRef>
+          <a:fillRef idx="1">
+            <a:schemeClr val="lt1"/>
+          </a:fillRef>
+          <a:effectRef idx="0">
+            <a:schemeClr val="dk1"/>
+          </a:effectRef>
+          <a:fontRef idx="minor">
+            <a:schemeClr val="dk1"/>
+          </a:fontRef>
+        </p:style>
+        <p:txBody>
+          <a:bodyPr rtlCol="0" anchor="ctr"/>
+          <a:lstStyle/>
+          <a:p>
+            <a:pPr algn="ctr"/>
+            <a:r>
+              <a:rPr lang="en-US" altLang="ko-KR" sz="1100"/>
+              <a:t>Public</a:t>
+            </a:r>
+          </a:p>
+          <a:p>
+            <a:pPr algn="ctr"/>
+            <a:r>
+              <a:rPr lang="en-US" altLang="ko-KR" sz="1100"/>
+              <a:t>Network</a:t>
+            </a:r>
+            <a:endParaRPr lang="ko-KR" altLang="en-US" sz="1100"/>
+          </a:p>
+        </p:txBody>
+      </p:sp>
+      <p:sp>
+        <p:nvSpPr>
+          <p:cNvPr id="33" name="모서리가 둥근 직사각형 13">
+            <a:extLst>
+              <a:ext uri="{FF2B5EF4-FFF2-40B4-BE49-F238E27FC236}">
+                <a16:creationId xmlns:a16="http://schemas.microsoft.com/office/drawing/2014/main" id="{32FA0D84-1649-4E93-99C7-CC8C09DE9F40}"/>
+              </a:ext>
+            </a:extLst>
+          </p:cNvPr>
+          <p:cNvSpPr/>
+          <p:nvPr/>
+        </p:nvSpPr>
+        <p:spPr>
+          <a:xfrm>
+            <a:off x="5359454" y="1095930"/>
+            <a:ext cx="3749050" cy="2365727"/>
+          </a:xfrm>
+          <a:prstGeom prst="roundRect">
+            <a:avLst>
+              <a:gd name="adj" fmla="val 6281"/>
+            </a:avLst>
+          </a:prstGeom>
+          <a:noFill/>
+        </p:spPr>
+        <p:style>
+          <a:lnRef idx="2">
+            <a:schemeClr val="dk1"/>
+          </a:lnRef>
+          <a:fillRef idx="1">
+            <a:schemeClr val="lt1"/>
+          </a:fillRef>
+          <a:effectRef idx="0">
+            <a:schemeClr val="dk1"/>
+          </a:effectRef>
+          <a:fontRef idx="minor">
+            <a:schemeClr val="dk1"/>
+          </a:fontRef>
+        </p:style>
+        <p:txBody>
+          <a:bodyPr rtlCol="0" anchor="t"/>
+          <a:lstStyle/>
+          <a:p>
+            <a:pPr algn="ctr"/>
+            <a:r>
+              <a:rPr lang="en-US" altLang="ko-KR" sz="1200"/>
+              <a:t>Node 03 : ODROID-H2</a:t>
+            </a:r>
+          </a:p>
+          <a:p>
+            <a:pPr algn="ctr"/>
+            <a:r>
+              <a:rPr lang="en-US" altLang="ko-KR" sz="1200"/>
+              <a:t>Compute Node</a:t>
+            </a:r>
+          </a:p>
+          <a:p>
+            <a:pPr algn="ctr"/>
+            <a:endParaRPr lang="ko-KR" altLang="en-US" sz="1400" dirty="0"/>
+          </a:p>
+        </p:txBody>
+      </p:sp>
+      <p:sp>
+        <p:nvSpPr>
+          <p:cNvPr id="58" name="모서리가 둥근 직사각형 47">
+            <a:extLst>
+              <a:ext uri="{FF2B5EF4-FFF2-40B4-BE49-F238E27FC236}">
+                <a16:creationId xmlns:a16="http://schemas.microsoft.com/office/drawing/2014/main" id="{3D92445E-9742-461D-8647-913D17AC6EB5}"/>
+              </a:ext>
+            </a:extLst>
+          </p:cNvPr>
+          <p:cNvSpPr/>
+          <p:nvPr/>
+        </p:nvSpPr>
+        <p:spPr>
+          <a:xfrm>
+            <a:off x="7301451" y="1700895"/>
+            <a:ext cx="1715096" cy="1101456"/>
+          </a:xfrm>
+          <a:prstGeom prst="roundRect">
+            <a:avLst>
+              <a:gd name="adj" fmla="val 11578"/>
+            </a:avLst>
+          </a:prstGeom>
+          <a:noFill/>
+        </p:spPr>
+        <p:style>
+          <a:lnRef idx="2">
+            <a:schemeClr val="dk1"/>
+          </a:lnRef>
+          <a:fillRef idx="1">
+            <a:schemeClr val="lt1"/>
+          </a:fillRef>
+          <a:effectRef idx="0">
+            <a:schemeClr val="dk1"/>
+          </a:effectRef>
+          <a:fontRef idx="minor">
+            <a:schemeClr val="dk1"/>
+          </a:fontRef>
+        </p:style>
+        <p:txBody>
+          <a:bodyPr rtlCol="0" anchor="t"/>
+          <a:lstStyle/>
+          <a:p>
+            <a:pPr algn="ctr"/>
+            <a:r>
+              <a:rPr lang="en-US" altLang="ko-KR" sz="1200" b="1"/>
+              <a:t>VM 09 : Deploy</a:t>
+            </a:r>
+            <a:endParaRPr lang="en-US" altLang="ko-KR" sz="1200" b="1" dirty="0"/>
+          </a:p>
+        </p:txBody>
+      </p:sp>
+      <p:sp>
+        <p:nvSpPr>
+          <p:cNvPr id="62" name="모서리가 둥근 직사각형 23">
+            <a:extLst>
+              <a:ext uri="{FF2B5EF4-FFF2-40B4-BE49-F238E27FC236}">
+                <a16:creationId xmlns:a16="http://schemas.microsoft.com/office/drawing/2014/main" id="{5006A219-8B9D-4EA3-BE71-343DFCC8348C}"/>
+              </a:ext>
+            </a:extLst>
+          </p:cNvPr>
+          <p:cNvSpPr/>
+          <p:nvPr/>
+        </p:nvSpPr>
+        <p:spPr>
+          <a:xfrm>
+            <a:off x="7612531" y="2197259"/>
+            <a:ext cx="1092935" cy="504056"/>
+          </a:xfrm>
+          <a:prstGeom prst="roundRect">
+            <a:avLst>
+              <a:gd name="adj" fmla="val 11578"/>
+            </a:avLst>
+          </a:prstGeom>
+          <a:noFill/>
+        </p:spPr>
+        <p:style>
+          <a:lnRef idx="2">
+            <a:schemeClr val="dk1"/>
+          </a:lnRef>
+          <a:fillRef idx="1">
+            <a:schemeClr val="lt1"/>
+          </a:fillRef>
+          <a:effectRef idx="0">
+            <a:schemeClr val="dk1"/>
+          </a:effectRef>
+          <a:fontRef idx="minor">
+            <a:schemeClr val="dk1"/>
+          </a:fontRef>
+        </p:style>
+        <p:txBody>
+          <a:bodyPr rtlCol="0" anchor="ctr"/>
+          <a:lstStyle/>
+          <a:p>
+            <a:pPr algn="ctr"/>
+            <a:r>
+              <a:rPr lang="en-US" altLang="ko-KR" sz="1100"/>
+              <a:t>eth0</a:t>
+            </a:r>
+          </a:p>
+          <a:p>
+            <a:pPr algn="ctr"/>
+            <a:r>
+              <a:rPr lang="en-US" altLang="ko-KR" sz="1100"/>
+              <a:t> 20.0.0.4</a:t>
+            </a:r>
+            <a:endParaRPr lang="en-US" altLang="ko-KR" sz="1100" dirty="0"/>
+          </a:p>
+        </p:txBody>
+      </p:sp>
+      <p:sp>
+        <p:nvSpPr>
+          <p:cNvPr id="63" name="모서리가 둥근 직사각형 47">
+            <a:extLst>
+              <a:ext uri="{FF2B5EF4-FFF2-40B4-BE49-F238E27FC236}">
+                <a16:creationId xmlns:a16="http://schemas.microsoft.com/office/drawing/2014/main" id="{4052ED24-3F76-4186-93B2-72F44BEEE2EE}"/>
+              </a:ext>
+            </a:extLst>
+          </p:cNvPr>
+          <p:cNvSpPr/>
+          <p:nvPr/>
+        </p:nvSpPr>
+        <p:spPr>
+          <a:xfrm>
+            <a:off x="5451788" y="1700895"/>
+            <a:ext cx="1715096" cy="1101456"/>
+          </a:xfrm>
+          <a:prstGeom prst="roundRect">
+            <a:avLst>
+              <a:gd name="adj" fmla="val 11578"/>
+            </a:avLst>
+          </a:prstGeom>
+          <a:noFill/>
+        </p:spPr>
+        <p:style>
+          <a:lnRef idx="2">
+            <a:schemeClr val="dk1"/>
+          </a:lnRef>
+          <a:fillRef idx="1">
+            <a:schemeClr val="lt1"/>
+          </a:fillRef>
+          <a:effectRef idx="0">
+            <a:schemeClr val="dk1"/>
+          </a:effectRef>
+          <a:fontRef idx="minor">
+            <a:schemeClr val="dk1"/>
+          </a:fontRef>
+        </p:style>
+        <p:txBody>
+          <a:bodyPr rtlCol="0" anchor="t"/>
+          <a:lstStyle/>
+          <a:p>
+            <a:pPr algn="ctr"/>
+            <a:r>
+              <a:rPr lang="en-US" altLang="ko-KR" sz="1200" b="1"/>
+              <a:t>VM 02 : ETCD 02, </a:t>
+            </a:r>
+          </a:p>
+          <a:p>
+            <a:pPr algn="ctr"/>
+            <a:r>
+              <a:rPr lang="en-US" altLang="ko-KR" sz="1200" b="1"/>
+              <a:t>Master 02, Slave 02</a:t>
+            </a:r>
+            <a:endParaRPr lang="en-US" altLang="ko-KR" sz="1200" b="1" dirty="0"/>
+          </a:p>
+        </p:txBody>
+      </p:sp>
+      <p:sp>
+        <p:nvSpPr>
+          <p:cNvPr id="64" name="모서리가 둥근 직사각형 23">
+            <a:extLst>
+              <a:ext uri="{FF2B5EF4-FFF2-40B4-BE49-F238E27FC236}">
+                <a16:creationId xmlns:a16="http://schemas.microsoft.com/office/drawing/2014/main" id="{7E6D0B35-691F-4777-AEFC-0402DBE99787}"/>
+              </a:ext>
+            </a:extLst>
+          </p:cNvPr>
+          <p:cNvSpPr/>
+          <p:nvPr/>
+        </p:nvSpPr>
+        <p:spPr>
+          <a:xfrm>
+            <a:off x="5762868" y="2197259"/>
+            <a:ext cx="1092935" cy="504056"/>
+          </a:xfrm>
+          <a:prstGeom prst="roundRect">
+            <a:avLst>
+              <a:gd name="adj" fmla="val 11578"/>
+            </a:avLst>
+          </a:prstGeom>
+          <a:noFill/>
+        </p:spPr>
+        <p:style>
+          <a:lnRef idx="2">
+            <a:schemeClr val="dk1"/>
+          </a:lnRef>
+          <a:fillRef idx="1">
+            <a:schemeClr val="lt1"/>
+          </a:fillRef>
+          <a:effectRef idx="0">
+            <a:schemeClr val="dk1"/>
+          </a:effectRef>
+          <a:fontRef idx="minor">
+            <a:schemeClr val="dk1"/>
+          </a:fontRef>
+        </p:style>
+        <p:txBody>
+          <a:bodyPr rtlCol="0" anchor="ctr"/>
+          <a:lstStyle/>
+          <a:p>
+            <a:pPr algn="ctr"/>
+            <a:r>
+              <a:rPr lang="en-US" altLang="ko-KR" sz="1100"/>
+              <a:t>eth0</a:t>
+            </a:r>
+            <a:endParaRPr lang="en-US" altLang="ko-KR" sz="1100" dirty="0"/>
+          </a:p>
+          <a:p>
+            <a:pPr algn="ctr"/>
+            <a:r>
+              <a:rPr lang="en-US" altLang="ko-KR" sz="1100"/>
+              <a:t>20.0.0.7</a:t>
+            </a:r>
+            <a:endParaRPr lang="en-US" altLang="ko-KR" sz="1100" dirty="0"/>
+          </a:p>
+        </p:txBody>
+      </p:sp>
+      <p:sp>
+        <p:nvSpPr>
+          <p:cNvPr id="77" name="모서리가 둥근 직사각형 18">
+            <a:extLst>
+              <a:ext uri="{FF2B5EF4-FFF2-40B4-BE49-F238E27FC236}">
+                <a16:creationId xmlns:a16="http://schemas.microsoft.com/office/drawing/2014/main" id="{0E71A26E-D21D-4715-AA53-DB9574A93AB0}"/>
+              </a:ext>
+            </a:extLst>
+          </p:cNvPr>
+          <p:cNvSpPr/>
+          <p:nvPr/>
+        </p:nvSpPr>
+        <p:spPr>
+          <a:xfrm>
+            <a:off x="2809407" y="2885994"/>
+            <a:ext cx="1157442" cy="504056"/>
+          </a:xfrm>
+          <a:prstGeom prst="roundRect">
+            <a:avLst>
+              <a:gd name="adj" fmla="val 11578"/>
+            </a:avLst>
+          </a:prstGeom>
+          <a:noFill/>
+        </p:spPr>
+        <p:style>
+          <a:lnRef idx="2">
+            <a:schemeClr val="dk1"/>
+          </a:lnRef>
+          <a:fillRef idx="1">
+            <a:schemeClr val="lt1"/>
+          </a:fillRef>
+          <a:effectRef idx="0">
+            <a:schemeClr val="dk1"/>
+          </a:effectRef>
+          <a:fontRef idx="minor">
+            <a:schemeClr val="dk1"/>
+          </a:fontRef>
+        </p:style>
+        <p:txBody>
+          <a:bodyPr rtlCol="0" anchor="ctr"/>
+          <a:lstStyle/>
+          <a:p>
+            <a:pPr algn="ctr"/>
+            <a:r>
+              <a:rPr lang="en-US" altLang="ko-KR" sz="1100"/>
+              <a:t>enp0s2</a:t>
+            </a:r>
+          </a:p>
+          <a:p>
+            <a:pPr algn="ctr"/>
+            <a:r>
+              <a:rPr lang="en-US" altLang="ko-KR" sz="1100"/>
+              <a:t>192.168.0.32</a:t>
+            </a:r>
+          </a:p>
+        </p:txBody>
+      </p:sp>
+      <p:sp>
+        <p:nvSpPr>
+          <p:cNvPr id="78" name="모서리가 둥근 직사각형 13">
+            <a:extLst>
+              <a:ext uri="{FF2B5EF4-FFF2-40B4-BE49-F238E27FC236}">
+                <a16:creationId xmlns:a16="http://schemas.microsoft.com/office/drawing/2014/main" id="{A0D9889E-BFED-4BB2-A19A-778AC03A6E27}"/>
+              </a:ext>
+            </a:extLst>
+          </p:cNvPr>
+          <p:cNvSpPr/>
+          <p:nvPr/>
+        </p:nvSpPr>
+        <p:spPr>
+          <a:xfrm>
+            <a:off x="1518447" y="1095930"/>
+            <a:ext cx="3749050" cy="2365727"/>
+          </a:xfrm>
+          <a:prstGeom prst="roundRect">
+            <a:avLst>
+              <a:gd name="adj" fmla="val 6281"/>
+            </a:avLst>
+          </a:prstGeom>
+          <a:noFill/>
+        </p:spPr>
+        <p:style>
+          <a:lnRef idx="2">
+            <a:schemeClr val="dk1"/>
+          </a:lnRef>
+          <a:fillRef idx="1">
+            <a:schemeClr val="lt1"/>
+          </a:fillRef>
+          <a:effectRef idx="0">
+            <a:schemeClr val="dk1"/>
+          </a:effectRef>
+          <a:fontRef idx="minor">
+            <a:schemeClr val="dk1"/>
+          </a:fontRef>
+        </p:style>
+        <p:txBody>
+          <a:bodyPr rtlCol="0" anchor="t"/>
+          <a:lstStyle/>
+          <a:p>
+            <a:pPr algn="ctr"/>
+            <a:r>
+              <a:rPr lang="en-US" altLang="ko-KR" sz="1200"/>
+              <a:t>Node 02 : ODROID-H2</a:t>
+            </a:r>
+          </a:p>
+          <a:p>
+            <a:pPr algn="ctr"/>
+            <a:r>
+              <a:rPr lang="en-US" altLang="ko-KR" sz="1200"/>
+              <a:t>Compute Node</a:t>
+            </a:r>
+          </a:p>
+          <a:p>
+            <a:pPr algn="ctr"/>
+            <a:endParaRPr lang="ko-KR" altLang="en-US" sz="1400" dirty="0"/>
+          </a:p>
+        </p:txBody>
+      </p:sp>
+      <p:sp>
+        <p:nvSpPr>
+          <p:cNvPr id="79" name="모서리가 둥근 직사각형 47">
+            <a:extLst>
+              <a:ext uri="{FF2B5EF4-FFF2-40B4-BE49-F238E27FC236}">
+                <a16:creationId xmlns:a16="http://schemas.microsoft.com/office/drawing/2014/main" id="{ED6DAF72-19E9-4C01-804C-CA3CF8B52122}"/>
+              </a:ext>
+            </a:extLst>
+          </p:cNvPr>
+          <p:cNvSpPr/>
+          <p:nvPr/>
+        </p:nvSpPr>
+        <p:spPr>
+          <a:xfrm>
+            <a:off x="3460444" y="1700895"/>
+            <a:ext cx="1715096" cy="1101456"/>
+          </a:xfrm>
+          <a:prstGeom prst="roundRect">
+            <a:avLst>
+              <a:gd name="adj" fmla="val 11578"/>
+            </a:avLst>
+          </a:prstGeom>
+          <a:noFill/>
+        </p:spPr>
+        <p:style>
+          <a:lnRef idx="2">
+            <a:schemeClr val="dk1"/>
+          </a:lnRef>
+          <a:fillRef idx="1">
+            <a:schemeClr val="lt1"/>
+          </a:fillRef>
+          <a:effectRef idx="0">
+            <a:schemeClr val="dk1"/>
+          </a:effectRef>
+          <a:fontRef idx="minor">
+            <a:schemeClr val="dk1"/>
+          </a:fontRef>
+        </p:style>
+        <p:txBody>
+          <a:bodyPr rtlCol="0" anchor="t"/>
+          <a:lstStyle/>
+          <a:p>
+            <a:pPr algn="ctr"/>
+            <a:r>
+              <a:rPr lang="en-US" altLang="ko-KR" sz="1200" b="1"/>
+              <a:t>VM 03 : ETCD 03, </a:t>
+            </a:r>
+          </a:p>
+          <a:p>
+            <a:pPr algn="ctr"/>
+            <a:r>
+              <a:rPr lang="en-US" altLang="ko-KR" sz="1200" b="1"/>
+              <a:t>Slave 03</a:t>
+            </a:r>
+            <a:endParaRPr lang="en-US" altLang="ko-KR" sz="1200" b="1" dirty="0"/>
+          </a:p>
+        </p:txBody>
+      </p:sp>
+      <p:sp>
+        <p:nvSpPr>
+          <p:cNvPr id="80" name="모서리가 둥근 직사각형 23">
+            <a:extLst>
+              <a:ext uri="{FF2B5EF4-FFF2-40B4-BE49-F238E27FC236}">
+                <a16:creationId xmlns:a16="http://schemas.microsoft.com/office/drawing/2014/main" id="{F6302F40-F46A-4196-8153-C0624B603047}"/>
+              </a:ext>
+            </a:extLst>
+          </p:cNvPr>
+          <p:cNvSpPr/>
+          <p:nvPr/>
+        </p:nvSpPr>
+        <p:spPr>
+          <a:xfrm>
+            <a:off x="3771524" y="2197259"/>
+            <a:ext cx="1092935" cy="504056"/>
+          </a:xfrm>
+          <a:prstGeom prst="roundRect">
+            <a:avLst>
+              <a:gd name="adj" fmla="val 11578"/>
+            </a:avLst>
+          </a:prstGeom>
+          <a:noFill/>
+        </p:spPr>
+        <p:style>
+          <a:lnRef idx="2">
+            <a:schemeClr val="dk1"/>
+          </a:lnRef>
+          <a:fillRef idx="1">
+            <a:schemeClr val="lt1"/>
+          </a:fillRef>
+          <a:effectRef idx="0">
+            <a:schemeClr val="dk1"/>
+          </a:effectRef>
+          <a:fontRef idx="minor">
+            <a:schemeClr val="dk1"/>
+          </a:fontRef>
+        </p:style>
+        <p:txBody>
+          <a:bodyPr rtlCol="0" anchor="ctr"/>
+          <a:lstStyle/>
+          <a:p>
+            <a:pPr algn="ctr"/>
+            <a:r>
+              <a:rPr lang="en-US" altLang="ko-KR" sz="1100"/>
+              <a:t>eth0</a:t>
+            </a:r>
+          </a:p>
+          <a:p>
+            <a:pPr algn="ctr"/>
+            <a:r>
+              <a:rPr lang="en-US" altLang="ko-KR" sz="1100"/>
+              <a:t> 20.0.0.8</a:t>
+            </a:r>
+            <a:endParaRPr lang="en-US" altLang="ko-KR" sz="1100" dirty="0"/>
+          </a:p>
+        </p:txBody>
+      </p:sp>
+      <p:sp>
+        <p:nvSpPr>
+          <p:cNvPr id="81" name="모서리가 둥근 직사각형 47">
+            <a:extLst>
+              <a:ext uri="{FF2B5EF4-FFF2-40B4-BE49-F238E27FC236}">
+                <a16:creationId xmlns:a16="http://schemas.microsoft.com/office/drawing/2014/main" id="{DBD0618B-AE40-4C13-8EAA-DAE367C3CD83}"/>
+              </a:ext>
+            </a:extLst>
+          </p:cNvPr>
+          <p:cNvSpPr/>
+          <p:nvPr/>
+        </p:nvSpPr>
+        <p:spPr>
+          <a:xfrm>
+            <a:off x="1610781" y="1700895"/>
+            <a:ext cx="1715096" cy="1101456"/>
+          </a:xfrm>
+          <a:prstGeom prst="roundRect">
+            <a:avLst>
+              <a:gd name="adj" fmla="val 11578"/>
+            </a:avLst>
+          </a:prstGeom>
+          <a:noFill/>
+        </p:spPr>
+        <p:style>
+          <a:lnRef idx="2">
+            <a:schemeClr val="dk1"/>
+          </a:lnRef>
+          <a:fillRef idx="1">
+            <a:schemeClr val="lt1"/>
+          </a:fillRef>
+          <a:effectRef idx="0">
+            <a:schemeClr val="dk1"/>
+          </a:effectRef>
+          <a:fontRef idx="minor">
+            <a:schemeClr val="dk1"/>
+          </a:fontRef>
+        </p:style>
+        <p:txBody>
+          <a:bodyPr rtlCol="0" anchor="t"/>
+          <a:lstStyle/>
+          <a:p>
+            <a:pPr algn="ctr"/>
+            <a:r>
+              <a:rPr lang="en-US" altLang="ko-KR" sz="1200" b="1"/>
+              <a:t>VM 01 : ETCD 01, </a:t>
+            </a:r>
+          </a:p>
+          <a:p>
+            <a:pPr algn="ctr"/>
+            <a:r>
+              <a:rPr lang="en-US" altLang="ko-KR" sz="1200" b="1"/>
+              <a:t>Master 01, Slave 01</a:t>
+            </a:r>
+            <a:endParaRPr lang="en-US" altLang="ko-KR" sz="1200" b="1" dirty="0"/>
+          </a:p>
+        </p:txBody>
+      </p:sp>
+      <p:sp>
+        <p:nvSpPr>
+          <p:cNvPr id="82" name="모서리가 둥근 직사각형 23">
+            <a:extLst>
+              <a:ext uri="{FF2B5EF4-FFF2-40B4-BE49-F238E27FC236}">
+                <a16:creationId xmlns:a16="http://schemas.microsoft.com/office/drawing/2014/main" id="{5F2A19B0-EAB6-4DA4-BE2C-2BA8B680D617}"/>
+              </a:ext>
+            </a:extLst>
+          </p:cNvPr>
+          <p:cNvSpPr/>
+          <p:nvPr/>
+        </p:nvSpPr>
+        <p:spPr>
+          <a:xfrm>
+            <a:off x="1921861" y="2197259"/>
+            <a:ext cx="1092935" cy="504056"/>
+          </a:xfrm>
+          <a:prstGeom prst="roundRect">
+            <a:avLst>
+              <a:gd name="adj" fmla="val 11578"/>
+            </a:avLst>
+          </a:prstGeom>
+          <a:noFill/>
+        </p:spPr>
+        <p:style>
+          <a:lnRef idx="2">
+            <a:schemeClr val="dk1"/>
+          </a:lnRef>
+          <a:fillRef idx="1">
+            <a:schemeClr val="lt1"/>
+          </a:fillRef>
+          <a:effectRef idx="0">
+            <a:schemeClr val="dk1"/>
+          </a:effectRef>
+          <a:fontRef idx="minor">
+            <a:schemeClr val="dk1"/>
+          </a:fontRef>
+        </p:style>
+        <p:txBody>
+          <a:bodyPr rtlCol="0" anchor="ctr"/>
+          <a:lstStyle/>
+          <a:p>
+            <a:pPr algn="ctr"/>
+            <a:r>
+              <a:rPr lang="en-US" altLang="ko-KR" sz="1100"/>
+              <a:t>eth0</a:t>
+            </a:r>
+            <a:endParaRPr lang="en-US" altLang="ko-KR" sz="1100" dirty="0"/>
+          </a:p>
+          <a:p>
+            <a:pPr algn="ctr"/>
+            <a:r>
+              <a:rPr lang="en-US" altLang="ko-KR" sz="1100"/>
+              <a:t>20.0.0.5</a:t>
+            </a:r>
+            <a:endParaRPr lang="en-US" altLang="ko-KR" sz="1100" dirty="0"/>
+          </a:p>
+        </p:txBody>
+      </p:sp>
+      <p:cxnSp>
+        <p:nvCxnSpPr>
+          <p:cNvPr id="83" name="직선 연결선 82">
+            <a:extLst>
+              <a:ext uri="{FF2B5EF4-FFF2-40B4-BE49-F238E27FC236}">
+                <a16:creationId xmlns:a16="http://schemas.microsoft.com/office/drawing/2014/main" id="{9E22537C-D051-439F-85FE-787FF0E22C8F}"/>
+              </a:ext>
+            </a:extLst>
+          </p:cNvPr>
+          <p:cNvCxnSpPr>
+            <a:cxnSpLocks/>
+            <a:stCxn id="80" idx="2"/>
+            <a:endCxn id="48" idx="0"/>
+          </p:cNvCxnSpPr>
+          <p:nvPr/>
+        </p:nvCxnSpPr>
+        <p:spPr>
+          <a:xfrm>
+            <a:off x="4317992" y="2701315"/>
+            <a:ext cx="2915987" cy="1364602"/>
+          </a:xfrm>
+          <a:prstGeom prst="line">
+            <a:avLst/>
+          </a:prstGeom>
+          <a:ln w="28575">
+            <a:solidFill>
+              <a:schemeClr val="tx1"/>
+            </a:solidFill>
+          </a:ln>
+        </p:spPr>
+        <p:style>
+          <a:lnRef idx="1">
+            <a:schemeClr val="accent1"/>
+          </a:lnRef>
+          <a:fillRef idx="0">
+            <a:schemeClr val="accent1"/>
+          </a:fillRef>
+          <a:effectRef idx="0">
+            <a:schemeClr val="accent1"/>
+          </a:effectRef>
+          <a:fontRef idx="minor">
+            <a:schemeClr val="tx1"/>
+          </a:fontRef>
+        </p:style>
+      </p:cxnSp>
+      <p:cxnSp>
+        <p:nvCxnSpPr>
+          <p:cNvPr id="84" name="직선 연결선 83">
+            <a:extLst>
+              <a:ext uri="{FF2B5EF4-FFF2-40B4-BE49-F238E27FC236}">
+                <a16:creationId xmlns:a16="http://schemas.microsoft.com/office/drawing/2014/main" id="{EF16809C-8795-417D-B4DF-14E868E93803}"/>
+              </a:ext>
+            </a:extLst>
+          </p:cNvPr>
+          <p:cNvCxnSpPr>
+            <a:cxnSpLocks/>
+            <a:stCxn id="82" idx="2"/>
+            <a:endCxn id="48" idx="0"/>
+          </p:cNvCxnSpPr>
+          <p:nvPr/>
+        </p:nvCxnSpPr>
+        <p:spPr>
+          <a:xfrm>
+            <a:off x="2468329" y="2701315"/>
+            <a:ext cx="4765650" cy="1364602"/>
+          </a:xfrm>
+          <a:prstGeom prst="line">
+            <a:avLst/>
+          </a:prstGeom>
+          <a:ln w="28575">
+            <a:solidFill>
+              <a:schemeClr val="tx1"/>
+            </a:solidFill>
+          </a:ln>
+        </p:spPr>
+        <p:style>
+          <a:lnRef idx="1">
+            <a:schemeClr val="accent1"/>
+          </a:lnRef>
+          <a:fillRef idx="0">
+            <a:schemeClr val="accent1"/>
+          </a:fillRef>
+          <a:effectRef idx="0">
+            <a:schemeClr val="accent1"/>
+          </a:effectRef>
+          <a:fontRef idx="minor">
+            <a:schemeClr val="tx1"/>
+          </a:fontRef>
+        </p:style>
+      </p:cxnSp>
+      <p:cxnSp>
+        <p:nvCxnSpPr>
+          <p:cNvPr id="85" name="직선 연결선 84">
+            <a:extLst>
+              <a:ext uri="{FF2B5EF4-FFF2-40B4-BE49-F238E27FC236}">
+                <a16:creationId xmlns:a16="http://schemas.microsoft.com/office/drawing/2014/main" id="{A5D6063C-B641-4482-AA86-4A166D6BBFD1}"/>
+              </a:ext>
+            </a:extLst>
+          </p:cNvPr>
+          <p:cNvCxnSpPr>
+            <a:cxnSpLocks/>
+            <a:stCxn id="64" idx="2"/>
+            <a:endCxn id="48" idx="0"/>
+          </p:cNvCxnSpPr>
+          <p:nvPr/>
+        </p:nvCxnSpPr>
+        <p:spPr>
+          <a:xfrm>
+            <a:off x="6309336" y="2701315"/>
+            <a:ext cx="924643" cy="1364602"/>
+          </a:xfrm>
+          <a:prstGeom prst="line">
+            <a:avLst/>
+          </a:prstGeom>
+          <a:ln w="28575">
+            <a:solidFill>
+              <a:schemeClr val="tx1"/>
+            </a:solidFill>
+          </a:ln>
+        </p:spPr>
+        <p:style>
+          <a:lnRef idx="1">
+            <a:schemeClr val="accent1"/>
+          </a:lnRef>
+          <a:fillRef idx="0">
+            <a:schemeClr val="accent1"/>
+          </a:fillRef>
+          <a:effectRef idx="0">
+            <a:schemeClr val="accent1"/>
+          </a:effectRef>
+          <a:fontRef idx="minor">
+            <a:schemeClr val="tx1"/>
+          </a:fontRef>
+        </p:style>
+      </p:cxnSp>
+      <p:cxnSp>
+        <p:nvCxnSpPr>
+          <p:cNvPr id="86" name="직선 연결선 85">
+            <a:extLst>
+              <a:ext uri="{FF2B5EF4-FFF2-40B4-BE49-F238E27FC236}">
+                <a16:creationId xmlns:a16="http://schemas.microsoft.com/office/drawing/2014/main" id="{630DC50F-1A19-49AF-80E6-757C64436022}"/>
+              </a:ext>
+            </a:extLst>
+          </p:cNvPr>
+          <p:cNvCxnSpPr>
+            <a:cxnSpLocks/>
+            <a:stCxn id="62" idx="2"/>
+            <a:endCxn id="48" idx="0"/>
+          </p:cNvCxnSpPr>
+          <p:nvPr/>
+        </p:nvCxnSpPr>
+        <p:spPr>
+          <a:xfrm flipH="1">
+            <a:off x="7233979" y="2701315"/>
+            <a:ext cx="925020" cy="1364602"/>
+          </a:xfrm>
+          <a:prstGeom prst="line">
+            <a:avLst/>
+          </a:prstGeom>
+          <a:ln w="28575">
+            <a:solidFill>
+              <a:schemeClr val="tx1"/>
+            </a:solidFill>
+          </a:ln>
+        </p:spPr>
+        <p:style>
+          <a:lnRef idx="1">
+            <a:schemeClr val="accent1"/>
+          </a:lnRef>
+          <a:fillRef idx="0">
+            <a:schemeClr val="accent1"/>
+          </a:fillRef>
+          <a:effectRef idx="0">
+            <a:schemeClr val="accent1"/>
+          </a:effectRef>
+          <a:fontRef idx="minor">
+            <a:schemeClr val="tx1"/>
+          </a:fontRef>
+        </p:style>
+      </p:cxnSp>
+      <p:cxnSp>
+        <p:nvCxnSpPr>
+          <p:cNvPr id="91" name="직선 연결선 90">
+            <a:extLst>
+              <a:ext uri="{FF2B5EF4-FFF2-40B4-BE49-F238E27FC236}">
+                <a16:creationId xmlns:a16="http://schemas.microsoft.com/office/drawing/2014/main" id="{FA203889-2C1A-4A90-BE0F-0E3A3420A4FF}"/>
+              </a:ext>
+            </a:extLst>
+          </p:cNvPr>
+          <p:cNvCxnSpPr>
+            <a:cxnSpLocks/>
+            <a:stCxn id="48" idx="1"/>
+            <a:endCxn id="109" idx="3"/>
+          </p:cNvCxnSpPr>
+          <p:nvPr/>
+        </p:nvCxnSpPr>
+        <p:spPr>
+          <a:xfrm flipH="1">
+            <a:off x="5964208" y="4331155"/>
+            <a:ext cx="619087" cy="1"/>
+          </a:xfrm>
+          <a:prstGeom prst="line">
+            <a:avLst/>
+          </a:prstGeom>
+          <a:ln w="28575">
+            <a:solidFill>
+              <a:schemeClr val="tx1"/>
+            </a:solidFill>
+          </a:ln>
+        </p:spPr>
+        <p:style>
+          <a:lnRef idx="1">
+            <a:schemeClr val="accent1"/>
+          </a:lnRef>
+          <a:fillRef idx="0">
+            <a:schemeClr val="accent1"/>
+          </a:fillRef>
+          <a:effectRef idx="0">
+            <a:schemeClr val="accent1"/>
+          </a:effectRef>
+          <a:fontRef idx="minor">
+            <a:schemeClr val="tx1"/>
+          </a:fontRef>
+        </p:style>
+      </p:cxnSp>
+      <p:sp>
+        <p:nvSpPr>
+          <p:cNvPr id="109" name="모서리가 둥근 직사각형 46">
+            <a:extLst>
+              <a:ext uri="{FF2B5EF4-FFF2-40B4-BE49-F238E27FC236}">
+                <a16:creationId xmlns:a16="http://schemas.microsoft.com/office/drawing/2014/main" id="{D77E3049-681D-4727-A0DB-E659210CC51F}"/>
+              </a:ext>
+            </a:extLst>
+          </p:cNvPr>
+          <p:cNvSpPr/>
+          <p:nvPr/>
+        </p:nvSpPr>
+        <p:spPr>
+          <a:xfrm>
+            <a:off x="4662841" y="4065918"/>
+            <a:ext cx="1301367" cy="530476"/>
+          </a:xfrm>
+          <a:prstGeom prst="roundRect">
+            <a:avLst>
+              <a:gd name="adj" fmla="val 11578"/>
+            </a:avLst>
+          </a:prstGeom>
+          <a:noFill/>
+        </p:spPr>
+        <p:style>
+          <a:lnRef idx="2">
+            <a:schemeClr val="dk1"/>
+          </a:lnRef>
+          <a:fillRef idx="1">
+            <a:schemeClr val="lt1"/>
+          </a:fillRef>
+          <a:effectRef idx="0">
+            <a:schemeClr val="dk1"/>
+          </a:effectRef>
+          <a:fontRef idx="minor">
+            <a:schemeClr val="dk1"/>
+          </a:fontRef>
+        </p:style>
+        <p:txBody>
+          <a:bodyPr rtlCol="0" anchor="ctr"/>
+          <a:lstStyle/>
+          <a:p>
+            <a:pPr algn="ctr"/>
+            <a:r>
+              <a:rPr lang="en-US" altLang="ko-KR" sz="1100"/>
+              <a:t>Virtual Router</a:t>
+            </a:r>
+          </a:p>
+          <a:p>
+            <a:pPr algn="ctr"/>
+            <a:r>
+              <a:rPr lang="en-US" altLang="ko-KR" sz="1100"/>
+              <a:t>192.168.0.205</a:t>
+            </a:r>
+          </a:p>
+          <a:p>
+            <a:pPr algn="ctr"/>
+            <a:r>
+              <a:rPr lang="en-US" altLang="ko-KR" sz="1100"/>
+              <a:t>20.0.0.1</a:t>
+            </a:r>
+            <a:endParaRPr lang="en-US" altLang="ko-KR" sz="1100" dirty="0"/>
+          </a:p>
+        </p:txBody>
+      </p:sp>
+      <p:cxnSp>
+        <p:nvCxnSpPr>
+          <p:cNvPr id="111" name="직선 연결선 110">
+            <a:extLst>
+              <a:ext uri="{FF2B5EF4-FFF2-40B4-BE49-F238E27FC236}">
+                <a16:creationId xmlns:a16="http://schemas.microsoft.com/office/drawing/2014/main" id="{A4A524C4-EFBD-43DD-8E7D-DC905BF8CCED}"/>
+              </a:ext>
+            </a:extLst>
+          </p:cNvPr>
+          <p:cNvCxnSpPr>
+            <a:cxnSpLocks/>
+            <a:stCxn id="109" idx="1"/>
+            <a:endCxn id="47" idx="3"/>
+          </p:cNvCxnSpPr>
+          <p:nvPr/>
+        </p:nvCxnSpPr>
+        <p:spPr>
+          <a:xfrm flipH="1">
+            <a:off x="4043754" y="4331156"/>
+            <a:ext cx="619087" cy="0"/>
+          </a:xfrm>
+          <a:prstGeom prst="line">
+            <a:avLst/>
+          </a:prstGeom>
+          <a:ln w="28575">
+            <a:solidFill>
+              <a:schemeClr val="tx1"/>
+            </a:solidFill>
+          </a:ln>
+        </p:spPr>
+        <p:style>
+          <a:lnRef idx="1">
+            <a:schemeClr val="accent1"/>
+          </a:lnRef>
+          <a:fillRef idx="0">
+            <a:schemeClr val="accent1"/>
+          </a:fillRef>
+          <a:effectRef idx="0">
+            <a:schemeClr val="accent1"/>
+          </a:effectRef>
+          <a:fontRef idx="minor">
+            <a:schemeClr val="tx1"/>
+          </a:fontRef>
+        </p:style>
+      </p:cxnSp>
+    </p:spTree>
+    <p:extLst>
+      <p:ext uri="{BB962C8B-B14F-4D97-AF65-F5344CB8AC3E}">
+        <p14:creationId xmlns:p14="http://schemas.microsoft.com/office/powerpoint/2010/main" val="2580884036"/>
+      </p:ext>
+    </p:extLst>
+  </p:cSld>
+  <p:clrMapOvr>
+    <a:masterClrMapping/>
+  </p:clrMapOvr>
+</p:sld>
+</file>
+
+<file path=ppt/slides/slide2.xml><?xml version="1.0" encoding="utf-8"?>
 <p:sld xmlns:a="http://schemas.openxmlformats.org/drawingml/2006/main" xmlns:r="http://schemas.openxmlformats.org/officeDocument/2006/relationships" xmlns:p="http://schemas.openxmlformats.org/presentationml/2006/main">
   <p:cSld>
     <p:spTree>

--- a/images/record/Kubernetes_kubespray_Ubuntu_18.04_OpenStack/Kubernetes_Install.pptx
+++ b/images/record/Kubernetes_kubespray_Ubuntu_18.04_OpenStack/Kubernetes_Install.pptx
@@ -214,7 +214,7 @@
           <a:p>
             <a:fld id="{6CD5550B-26C4-49A9-A5BA-636EF7BE6CE9}" type="datetimeFigureOut">
               <a:rPr lang="ko-KR" altLang="en-US" smtClean="0"/>
-              <a:t>2019-07-22</a:t>
+              <a:t>2019-07-25</a:t>
             </a:fld>
             <a:endParaRPr lang="ko-KR" altLang="en-US"/>
           </a:p>
@@ -828,7 +828,7 @@
           <a:p>
             <a:fld id="{FB30EDBD-1C2D-4C1E-B459-B60219FAB484}" type="datetimeFigureOut">
               <a:rPr lang="ko-KR" altLang="en-US" smtClean="0"/>
-              <a:t>2019-07-22</a:t>
+              <a:t>2019-07-25</a:t>
             </a:fld>
             <a:endParaRPr lang="ko-KR" altLang="en-US"/>
           </a:p>
@@ -991,7 +991,7 @@
           <a:p>
             <a:fld id="{FB30EDBD-1C2D-4C1E-B459-B60219FAB484}" type="datetimeFigureOut">
               <a:rPr lang="ko-KR" altLang="en-US" smtClean="0"/>
-              <a:t>2019-07-22</a:t>
+              <a:t>2019-07-25</a:t>
             </a:fld>
             <a:endParaRPr lang="ko-KR" altLang="en-US"/>
           </a:p>
@@ -1164,7 +1164,7 @@
           <a:p>
             <a:fld id="{FB30EDBD-1C2D-4C1E-B459-B60219FAB484}" type="datetimeFigureOut">
               <a:rPr lang="ko-KR" altLang="en-US" smtClean="0"/>
-              <a:t>2019-07-22</a:t>
+              <a:t>2019-07-25</a:t>
             </a:fld>
             <a:endParaRPr lang="ko-KR" altLang="en-US"/>
           </a:p>
@@ -1327,7 +1327,7 @@
           <a:p>
             <a:fld id="{FB30EDBD-1C2D-4C1E-B459-B60219FAB484}" type="datetimeFigureOut">
               <a:rPr lang="ko-KR" altLang="en-US" smtClean="0"/>
-              <a:t>2019-07-22</a:t>
+              <a:t>2019-07-25</a:t>
             </a:fld>
             <a:endParaRPr lang="ko-KR" altLang="en-US"/>
           </a:p>
@@ -1567,7 +1567,7 @@
           <a:p>
             <a:fld id="{FB30EDBD-1C2D-4C1E-B459-B60219FAB484}" type="datetimeFigureOut">
               <a:rPr lang="ko-KR" altLang="en-US" smtClean="0"/>
-              <a:t>2019-07-22</a:t>
+              <a:t>2019-07-25</a:t>
             </a:fld>
             <a:endParaRPr lang="ko-KR" altLang="en-US"/>
           </a:p>
@@ -1847,7 +1847,7 @@
           <a:p>
             <a:fld id="{FB30EDBD-1C2D-4C1E-B459-B60219FAB484}" type="datetimeFigureOut">
               <a:rPr lang="ko-KR" altLang="en-US" smtClean="0"/>
-              <a:t>2019-07-22</a:t>
+              <a:t>2019-07-25</a:t>
             </a:fld>
             <a:endParaRPr lang="ko-KR" altLang="en-US"/>
           </a:p>
@@ -2261,7 +2261,7 @@
           <a:p>
             <a:fld id="{FB30EDBD-1C2D-4C1E-B459-B60219FAB484}" type="datetimeFigureOut">
               <a:rPr lang="ko-KR" altLang="en-US" smtClean="0"/>
-              <a:t>2019-07-22</a:t>
+              <a:t>2019-07-25</a:t>
             </a:fld>
             <a:endParaRPr lang="ko-KR" altLang="en-US"/>
           </a:p>
@@ -2373,7 +2373,7 @@
           <a:p>
             <a:fld id="{FB30EDBD-1C2D-4C1E-B459-B60219FAB484}" type="datetimeFigureOut">
               <a:rPr lang="ko-KR" altLang="en-US" smtClean="0"/>
-              <a:t>2019-07-22</a:t>
+              <a:t>2019-07-25</a:t>
             </a:fld>
             <a:endParaRPr lang="ko-KR" altLang="en-US"/>
           </a:p>
@@ -2463,7 +2463,7 @@
           <a:p>
             <a:fld id="{FB30EDBD-1C2D-4C1E-B459-B60219FAB484}" type="datetimeFigureOut">
               <a:rPr lang="ko-KR" altLang="en-US" smtClean="0"/>
-              <a:t>2019-07-22</a:t>
+              <a:t>2019-07-25</a:t>
             </a:fld>
             <a:endParaRPr lang="ko-KR" altLang="en-US"/>
           </a:p>
@@ -2733,7 +2733,7 @@
           <a:p>
             <a:fld id="{FB30EDBD-1C2D-4C1E-B459-B60219FAB484}" type="datetimeFigureOut">
               <a:rPr lang="ko-KR" altLang="en-US" smtClean="0"/>
-              <a:t>2019-07-22</a:t>
+              <a:t>2019-07-25</a:t>
             </a:fld>
             <a:endParaRPr lang="ko-KR" altLang="en-US"/>
           </a:p>
@@ -2980,7 +2980,7 @@
           <a:p>
             <a:fld id="{FB30EDBD-1C2D-4C1E-B459-B60219FAB484}" type="datetimeFigureOut">
               <a:rPr lang="ko-KR" altLang="en-US" smtClean="0"/>
-              <a:t>2019-07-22</a:t>
+              <a:t>2019-07-25</a:t>
             </a:fld>
             <a:endParaRPr lang="ko-KR" altLang="en-US"/>
           </a:p>
@@ -3186,7 +3186,7 @@
           <a:p>
             <a:fld id="{FB30EDBD-1C2D-4C1E-B459-B60219FAB484}" type="datetimeFigureOut">
               <a:rPr lang="ko-KR" altLang="en-US" smtClean="0"/>
-              <a:t>2019-07-22</a:t>
+              <a:t>2019-07-25</a:t>
             </a:fld>
             <a:endParaRPr lang="ko-KR" altLang="en-US"/>
           </a:p>
@@ -3594,7 +3594,7 @@
         </p:nvSpPr>
         <p:spPr>
           <a:xfrm>
-            <a:off x="24682" y="1995685"/>
+            <a:off x="24682" y="2391385"/>
             <a:ext cx="1401808" cy="1465971"/>
           </a:xfrm>
           <a:prstGeom prst="roundRect">
@@ -3645,7 +3645,7 @@
         </p:nvSpPr>
         <p:spPr>
           <a:xfrm>
-            <a:off x="146865" y="2701315"/>
+            <a:off x="146865" y="3097015"/>
             <a:ext cx="1157442" cy="688335"/>
           </a:xfrm>
           <a:prstGeom prst="roundRect">
@@ -3704,7 +3704,7 @@
         </p:nvSpPr>
         <p:spPr>
           <a:xfrm>
-            <a:off x="2742384" y="4065918"/>
+            <a:off x="2742384" y="4461618"/>
             <a:ext cx="1301370" cy="530476"/>
           </a:xfrm>
           <a:prstGeom prst="roundRect">
@@ -3756,7 +3756,7 @@
         </p:nvSpPr>
         <p:spPr>
           <a:xfrm>
-            <a:off x="6583295" y="4065917"/>
+            <a:off x="6583295" y="4461617"/>
             <a:ext cx="1301368" cy="530476"/>
           </a:xfrm>
           <a:prstGeom prst="roundRect">
@@ -3814,7 +3814,7 @@
         </p:nvSpPr>
         <p:spPr>
           <a:xfrm>
-            <a:off x="6655258" y="2885994"/>
+            <a:off x="6655258" y="3281694"/>
             <a:ext cx="1157442" cy="504056"/>
           </a:xfrm>
           <a:prstGeom prst="roundRect">
@@ -3868,7 +3868,7 @@
         </p:nvCxnSpPr>
         <p:spPr>
           <a:xfrm>
-            <a:off x="725586" y="3389650"/>
+            <a:off x="725586" y="3785350"/>
             <a:ext cx="2667483" cy="676268"/>
           </a:xfrm>
           <a:prstGeom prst="line">
@@ -3913,7 +3913,7 @@
         </p:nvCxnSpPr>
         <p:spPr>
           <a:xfrm>
-            <a:off x="3388128" y="3390050"/>
+            <a:off x="3388128" y="3785750"/>
             <a:ext cx="4941" cy="675868"/>
           </a:xfrm>
           <a:prstGeom prst="line">
@@ -3958,7 +3958,7 @@
         </p:nvCxnSpPr>
         <p:spPr>
           <a:xfrm flipH="1">
-            <a:off x="3393069" y="3390050"/>
+            <a:off x="3393069" y="3785750"/>
             <a:ext cx="3840910" cy="675868"/>
           </a:xfrm>
           <a:prstGeom prst="line">
@@ -4003,7 +4003,7 @@
         </p:nvCxnSpPr>
         <p:spPr>
           <a:xfrm flipH="1" flipV="1">
-            <a:off x="2462034" y="4331155"/>
+            <a:off x="2462034" y="4726855"/>
             <a:ext cx="280350" cy="1"/>
           </a:xfrm>
           <a:prstGeom prst="line">
@@ -4044,7 +4044,7 @@
         </p:nvSpPr>
         <p:spPr>
           <a:xfrm>
-            <a:off x="1352631" y="4039700"/>
+            <a:off x="1352631" y="4435400"/>
             <a:ext cx="1110328" cy="582910"/>
           </a:xfrm>
           <a:prstGeom prst="cloud">
@@ -4099,7 +4099,7 @@
         </p:nvSpPr>
         <p:spPr>
           <a:xfrm>
-            <a:off x="5359454" y="1095930"/>
+            <a:off x="5359454" y="1491630"/>
             <a:ext cx="3749050" cy="2365727"/>
           </a:xfrm>
           <a:prstGeom prst="roundRect">
@@ -4160,7 +4160,7 @@
         </p:nvSpPr>
         <p:spPr>
           <a:xfrm>
-            <a:off x="7301451" y="1700895"/>
+            <a:off x="7301451" y="2096595"/>
             <a:ext cx="1715096" cy="1101456"/>
           </a:xfrm>
           <a:prstGeom prst="roundRect">
@@ -4211,7 +4211,7 @@
         </p:nvSpPr>
         <p:spPr>
           <a:xfrm>
-            <a:off x="7612531" y="2197259"/>
+            <a:off x="7612531" y="2592959"/>
             <a:ext cx="1092935" cy="504056"/>
           </a:xfrm>
           <a:prstGeom prst="roundRect">
@@ -4269,7 +4269,7 @@
         </p:nvSpPr>
         <p:spPr>
           <a:xfrm>
-            <a:off x="5451788" y="1700895"/>
+            <a:off x="5451788" y="2096595"/>
             <a:ext cx="1715096" cy="1101456"/>
           </a:xfrm>
           <a:prstGeom prst="roundRect">
@@ -4327,7 +4327,7 @@
         </p:nvSpPr>
         <p:spPr>
           <a:xfrm>
-            <a:off x="5762868" y="2197259"/>
+            <a:off x="5762868" y="2592959"/>
             <a:ext cx="1092935" cy="504056"/>
           </a:xfrm>
           <a:prstGeom prst="roundRect">
@@ -4386,7 +4386,7 @@
         </p:nvSpPr>
         <p:spPr>
           <a:xfrm>
-            <a:off x="2809407" y="2885994"/>
+            <a:off x="2809407" y="3281694"/>
             <a:ext cx="1157442" cy="504056"/>
           </a:xfrm>
           <a:prstGeom prst="roundRect">
@@ -4443,7 +4443,7 @@
         </p:nvSpPr>
         <p:spPr>
           <a:xfrm>
-            <a:off x="1518447" y="1095930"/>
+            <a:off x="1518447" y="1491630"/>
             <a:ext cx="3749050" cy="2365727"/>
           </a:xfrm>
           <a:prstGeom prst="roundRect">
@@ -4504,7 +4504,7 @@
         </p:nvSpPr>
         <p:spPr>
           <a:xfrm>
-            <a:off x="3460444" y="1700895"/>
+            <a:off x="3460444" y="2096595"/>
             <a:ext cx="1715096" cy="1101456"/>
           </a:xfrm>
           <a:prstGeom prst="roundRect">
@@ -4562,7 +4562,7 @@
         </p:nvSpPr>
         <p:spPr>
           <a:xfrm>
-            <a:off x="3771524" y="2197259"/>
+            <a:off x="3771524" y="2592959"/>
             <a:ext cx="1092935" cy="504056"/>
           </a:xfrm>
           <a:prstGeom prst="roundRect">
@@ -4620,7 +4620,7 @@
         </p:nvSpPr>
         <p:spPr>
           <a:xfrm>
-            <a:off x="1610781" y="1700895"/>
+            <a:off x="1610781" y="2096595"/>
             <a:ext cx="1715096" cy="1101456"/>
           </a:xfrm>
           <a:prstGeom prst="roundRect">
@@ -4678,7 +4678,7 @@
         </p:nvSpPr>
         <p:spPr>
           <a:xfrm>
-            <a:off x="1921861" y="2197259"/>
+            <a:off x="1921861" y="2592959"/>
             <a:ext cx="1092935" cy="504056"/>
           </a:xfrm>
           <a:prstGeom prst="roundRect">
@@ -4741,7 +4741,7 @@
         </p:nvCxnSpPr>
         <p:spPr>
           <a:xfrm>
-            <a:off x="4317992" y="2701315"/>
+            <a:off x="4317992" y="3097015"/>
             <a:ext cx="2915987" cy="1364602"/>
           </a:xfrm>
           <a:prstGeom prst="line">
@@ -4786,7 +4786,7 @@
         </p:nvCxnSpPr>
         <p:spPr>
           <a:xfrm>
-            <a:off x="2468329" y="2701315"/>
+            <a:off x="2468329" y="3097015"/>
             <a:ext cx="4765650" cy="1364602"/>
           </a:xfrm>
           <a:prstGeom prst="line">
@@ -4831,7 +4831,7 @@
         </p:nvCxnSpPr>
         <p:spPr>
           <a:xfrm>
-            <a:off x="6309336" y="2701315"/>
+            <a:off x="6309336" y="3097015"/>
             <a:ext cx="924643" cy="1364602"/>
           </a:xfrm>
           <a:prstGeom prst="line">
@@ -4876,7 +4876,7 @@
         </p:nvCxnSpPr>
         <p:spPr>
           <a:xfrm flipH="1">
-            <a:off x="7233979" y="2701315"/>
+            <a:off x="7233979" y="3097015"/>
             <a:ext cx="925020" cy="1364602"/>
           </a:xfrm>
           <a:prstGeom prst="line">
@@ -4921,7 +4921,7 @@
         </p:nvCxnSpPr>
         <p:spPr>
           <a:xfrm flipH="1">
-            <a:off x="5964208" y="4331155"/>
+            <a:off x="5964208" y="4726855"/>
             <a:ext cx="619087" cy="1"/>
           </a:xfrm>
           <a:prstGeom prst="line">
@@ -4962,7 +4962,7 @@
         </p:nvSpPr>
         <p:spPr>
           <a:xfrm>
-            <a:off x="4662841" y="4065918"/>
+            <a:off x="4662841" y="4461618"/>
             <a:ext cx="1301367" cy="530476"/>
           </a:xfrm>
           <a:prstGeom prst="roundRect">
@@ -5031,7 +5031,7 @@
         </p:nvCxnSpPr>
         <p:spPr>
           <a:xfrm flipH="1">
-            <a:off x="4043754" y="4331156"/>
+            <a:off x="4043754" y="4726856"/>
             <a:ext cx="619087" cy="0"/>
           </a:xfrm>
           <a:prstGeom prst="line">

--- a/images/record/Kubernetes_kubespray_Ubuntu_18.04_OpenStack/Kubernetes_Install.pptx
+++ b/images/record/Kubernetes_kubespray_Ubuntu_18.04_OpenStack/Kubernetes_Install.pptx
@@ -214,7 +214,7 @@
           <a:p>
             <a:fld id="{6CD5550B-26C4-49A9-A5BA-636EF7BE6CE9}" type="datetimeFigureOut">
               <a:rPr lang="ko-KR" altLang="en-US" smtClean="0"/>
-              <a:t>2019-07-25</a:t>
+              <a:t>2019-07-26</a:t>
             </a:fld>
             <a:endParaRPr lang="ko-KR" altLang="en-US"/>
           </a:p>
@@ -828,7 +828,7 @@
           <a:p>
             <a:fld id="{FB30EDBD-1C2D-4C1E-B459-B60219FAB484}" type="datetimeFigureOut">
               <a:rPr lang="ko-KR" altLang="en-US" smtClean="0"/>
-              <a:t>2019-07-25</a:t>
+              <a:t>2019-07-26</a:t>
             </a:fld>
             <a:endParaRPr lang="ko-KR" altLang="en-US"/>
           </a:p>
@@ -991,7 +991,7 @@
           <a:p>
             <a:fld id="{FB30EDBD-1C2D-4C1E-B459-B60219FAB484}" type="datetimeFigureOut">
               <a:rPr lang="ko-KR" altLang="en-US" smtClean="0"/>
-              <a:t>2019-07-25</a:t>
+              <a:t>2019-07-26</a:t>
             </a:fld>
             <a:endParaRPr lang="ko-KR" altLang="en-US"/>
           </a:p>
@@ -1164,7 +1164,7 @@
           <a:p>
             <a:fld id="{FB30EDBD-1C2D-4C1E-B459-B60219FAB484}" type="datetimeFigureOut">
               <a:rPr lang="ko-KR" altLang="en-US" smtClean="0"/>
-              <a:t>2019-07-25</a:t>
+              <a:t>2019-07-26</a:t>
             </a:fld>
             <a:endParaRPr lang="ko-KR" altLang="en-US"/>
           </a:p>
@@ -1327,7 +1327,7 @@
           <a:p>
             <a:fld id="{FB30EDBD-1C2D-4C1E-B459-B60219FAB484}" type="datetimeFigureOut">
               <a:rPr lang="ko-KR" altLang="en-US" smtClean="0"/>
-              <a:t>2019-07-25</a:t>
+              <a:t>2019-07-26</a:t>
             </a:fld>
             <a:endParaRPr lang="ko-KR" altLang="en-US"/>
           </a:p>
@@ -1567,7 +1567,7 @@
           <a:p>
             <a:fld id="{FB30EDBD-1C2D-4C1E-B459-B60219FAB484}" type="datetimeFigureOut">
               <a:rPr lang="ko-KR" altLang="en-US" smtClean="0"/>
-              <a:t>2019-07-25</a:t>
+              <a:t>2019-07-26</a:t>
             </a:fld>
             <a:endParaRPr lang="ko-KR" altLang="en-US"/>
           </a:p>
@@ -1847,7 +1847,7 @@
           <a:p>
             <a:fld id="{FB30EDBD-1C2D-4C1E-B459-B60219FAB484}" type="datetimeFigureOut">
               <a:rPr lang="ko-KR" altLang="en-US" smtClean="0"/>
-              <a:t>2019-07-25</a:t>
+              <a:t>2019-07-26</a:t>
             </a:fld>
             <a:endParaRPr lang="ko-KR" altLang="en-US"/>
           </a:p>
@@ -2261,7 +2261,7 @@
           <a:p>
             <a:fld id="{FB30EDBD-1C2D-4C1E-B459-B60219FAB484}" type="datetimeFigureOut">
               <a:rPr lang="ko-KR" altLang="en-US" smtClean="0"/>
-              <a:t>2019-07-25</a:t>
+              <a:t>2019-07-26</a:t>
             </a:fld>
             <a:endParaRPr lang="ko-KR" altLang="en-US"/>
           </a:p>
@@ -2373,7 +2373,7 @@
           <a:p>
             <a:fld id="{FB30EDBD-1C2D-4C1E-B459-B60219FAB484}" type="datetimeFigureOut">
               <a:rPr lang="ko-KR" altLang="en-US" smtClean="0"/>
-              <a:t>2019-07-25</a:t>
+              <a:t>2019-07-26</a:t>
             </a:fld>
             <a:endParaRPr lang="ko-KR" altLang="en-US"/>
           </a:p>
@@ -2463,7 +2463,7 @@
           <a:p>
             <a:fld id="{FB30EDBD-1C2D-4C1E-B459-B60219FAB484}" type="datetimeFigureOut">
               <a:rPr lang="ko-KR" altLang="en-US" smtClean="0"/>
-              <a:t>2019-07-25</a:t>
+              <a:t>2019-07-26</a:t>
             </a:fld>
             <a:endParaRPr lang="ko-KR" altLang="en-US"/>
           </a:p>
@@ -2733,7 +2733,7 @@
           <a:p>
             <a:fld id="{FB30EDBD-1C2D-4C1E-B459-B60219FAB484}" type="datetimeFigureOut">
               <a:rPr lang="ko-KR" altLang="en-US" smtClean="0"/>
-              <a:t>2019-07-25</a:t>
+              <a:t>2019-07-26</a:t>
             </a:fld>
             <a:endParaRPr lang="ko-KR" altLang="en-US"/>
           </a:p>
@@ -2980,7 +2980,7 @@
           <a:p>
             <a:fld id="{FB30EDBD-1C2D-4C1E-B459-B60219FAB484}" type="datetimeFigureOut">
               <a:rPr lang="ko-KR" altLang="en-US" smtClean="0"/>
-              <a:t>2019-07-25</a:t>
+              <a:t>2019-07-26</a:t>
             </a:fld>
             <a:endParaRPr lang="ko-KR" altLang="en-US"/>
           </a:p>
@@ -3186,7 +3186,7 @@
           <a:p>
             <a:fld id="{FB30EDBD-1C2D-4C1E-B459-B60219FAB484}" type="datetimeFigureOut">
               <a:rPr lang="ko-KR" altLang="en-US" smtClean="0"/>
-              <a:t>2019-07-25</a:t>
+              <a:t>2019-07-26</a:t>
             </a:fld>
             <a:endParaRPr lang="ko-KR" altLang="en-US"/>
           </a:p>
@@ -3568,7 +3568,7 @@
         </p:nvSpPr>
         <p:spPr>
           <a:xfrm>
-            <a:off x="457200" y="-20538"/>
+            <a:off x="457200" y="-164554"/>
             <a:ext cx="8229600" cy="857250"/>
           </a:xfrm>
         </p:spPr>
@@ -3594,7 +3594,7 @@
         </p:nvSpPr>
         <p:spPr>
           <a:xfrm>
-            <a:off x="24682" y="2391385"/>
+            <a:off x="24682" y="2759254"/>
             <a:ext cx="1401808" cy="1465971"/>
           </a:xfrm>
           <a:prstGeom prst="roundRect">
@@ -3645,7 +3645,7 @@
         </p:nvSpPr>
         <p:spPr>
           <a:xfrm>
-            <a:off x="146865" y="3097015"/>
+            <a:off x="146865" y="3464884"/>
             <a:ext cx="1157442" cy="688335"/>
           </a:xfrm>
           <a:prstGeom prst="roundRect">
@@ -3704,7 +3704,7 @@
         </p:nvSpPr>
         <p:spPr>
           <a:xfrm>
-            <a:off x="2742384" y="4461618"/>
+            <a:off x="2736917" y="4412843"/>
             <a:ext cx="1301370" cy="530476"/>
           </a:xfrm>
           <a:prstGeom prst="roundRect">
@@ -3713,6 +3713,11 @@
             </a:avLst>
           </a:prstGeom>
           <a:noFill/>
+          <a:ln>
+            <a:solidFill>
+              <a:srgbClr val="C00000"/>
+            </a:solidFill>
+          </a:ln>
         </p:spPr>
         <p:style>
           <a:lnRef idx="2">
@@ -3756,7 +3761,7 @@
         </p:nvSpPr>
         <p:spPr>
           <a:xfrm>
-            <a:off x="6583295" y="4461617"/>
+            <a:off x="6583295" y="4412842"/>
             <a:ext cx="1301368" cy="530476"/>
           </a:xfrm>
           <a:prstGeom prst="roundRect">
@@ -3765,6 +3770,11 @@
             </a:avLst>
           </a:prstGeom>
           <a:noFill/>
+          <a:ln>
+            <a:solidFill>
+              <a:schemeClr val="tx2"/>
+            </a:solidFill>
+          </a:ln>
         </p:spPr>
         <p:style>
           <a:lnRef idx="2">
@@ -3794,7 +3804,7 @@
             <a:pPr algn="ctr"/>
             <a:r>
               <a:rPr lang="en-US" altLang="ko-KR" sz="1100"/>
-              <a:t>20.0.0.0/24</a:t>
+              <a:t>30.0.0.0/24</a:t>
             </a:r>
             <a:endParaRPr lang="en-US" altLang="ko-KR" sz="1100" dirty="0"/>
           </a:p>
@@ -3814,7 +3824,7 @@
         </p:nvSpPr>
         <p:spPr>
           <a:xfrm>
-            <a:off x="6655258" y="3281694"/>
+            <a:off x="6655258" y="3649563"/>
             <a:ext cx="1157442" cy="504056"/>
           </a:xfrm>
           <a:prstGeom prst="roundRect">
@@ -3868,15 +3878,15 @@
         </p:nvCxnSpPr>
         <p:spPr>
           <a:xfrm>
-            <a:off x="725586" y="3785350"/>
-            <a:ext cx="2667483" cy="676268"/>
+            <a:off x="725586" y="4153219"/>
+            <a:ext cx="2662016" cy="259624"/>
           </a:xfrm>
           <a:prstGeom prst="line">
             <a:avLst/>
           </a:prstGeom>
           <a:ln w="28575">
             <a:solidFill>
-              <a:schemeClr val="tx1"/>
+              <a:srgbClr val="C00000"/>
             </a:solidFill>
           </a:ln>
         </p:spPr>
@@ -3912,16 +3922,16 @@
           <p:nvPr/>
         </p:nvCxnSpPr>
         <p:spPr>
-          <a:xfrm>
-            <a:off x="3388128" y="3785750"/>
-            <a:ext cx="4941" cy="675868"/>
+          <a:xfrm flipH="1">
+            <a:off x="3387602" y="4153619"/>
+            <a:ext cx="526" cy="259224"/>
           </a:xfrm>
           <a:prstGeom prst="line">
             <a:avLst/>
           </a:prstGeom>
           <a:ln w="28575">
             <a:solidFill>
-              <a:schemeClr val="tx1"/>
+              <a:srgbClr val="C00000"/>
             </a:solidFill>
           </a:ln>
         </p:spPr>
@@ -3958,15 +3968,15 @@
         </p:nvCxnSpPr>
         <p:spPr>
           <a:xfrm flipH="1">
-            <a:off x="3393069" y="3785750"/>
-            <a:ext cx="3840910" cy="675868"/>
+            <a:off x="3387602" y="4153619"/>
+            <a:ext cx="3846377" cy="259224"/>
           </a:xfrm>
           <a:prstGeom prst="line">
             <a:avLst/>
           </a:prstGeom>
           <a:ln w="28575">
             <a:solidFill>
-              <a:schemeClr val="tx1"/>
+              <a:srgbClr val="C00000"/>
             </a:solidFill>
           </a:ln>
         </p:spPr>
@@ -4003,8 +4013,8 @@
         </p:nvCxnSpPr>
         <p:spPr>
           <a:xfrm flipH="1" flipV="1">
-            <a:off x="2462034" y="4726855"/>
-            <a:ext cx="280350" cy="1"/>
+            <a:off x="2462034" y="4678080"/>
+            <a:ext cx="274883" cy="1"/>
           </a:xfrm>
           <a:prstGeom prst="line">
             <a:avLst/>
@@ -4044,7 +4054,7 @@
         </p:nvSpPr>
         <p:spPr>
           <a:xfrm>
-            <a:off x="1352631" y="4435400"/>
+            <a:off x="1352631" y="4386625"/>
             <a:ext cx="1110328" cy="582910"/>
           </a:xfrm>
           <a:prstGeom prst="cloud">
@@ -4099,8 +4109,8 @@
         </p:nvSpPr>
         <p:spPr>
           <a:xfrm>
-            <a:off x="5359454" y="1491630"/>
-            <a:ext cx="3749050" cy="2365727"/>
+            <a:off x="5359454" y="1175773"/>
+            <a:ext cx="3749050" cy="3049454"/>
           </a:xfrm>
           <a:prstGeom prst="roundRect">
             <a:avLst>
@@ -4127,21 +4137,30 @@
           <a:bodyPr rtlCol="0" anchor="t"/>
           <a:lstStyle/>
           <a:p>
-            <a:pPr algn="ctr"/>
             <a:r>
               <a:rPr lang="en-US" altLang="ko-KR" sz="1200"/>
-              <a:t>Node 03 : ODROID-H2</a:t>
-            </a:r>
-          </a:p>
-          <a:p>
-            <a:pPr algn="ctr"/>
+              <a:t>Node 03 : </a:t>
+            </a:r>
+          </a:p>
+          <a:p>
             <a:r>
               <a:rPr lang="en-US" altLang="ko-KR" sz="1200"/>
-              <a:t>Compute Node</a:t>
-            </a:r>
-          </a:p>
-          <a:p>
-            <a:pPr algn="ctr"/>
+              <a:t>ODROID-H2</a:t>
+            </a:r>
+          </a:p>
+          <a:p>
+            <a:r>
+              <a:rPr lang="en-US" altLang="ko-KR" sz="1200"/>
+              <a:t>Compute </a:t>
+            </a:r>
+          </a:p>
+          <a:p>
+            <a:r>
+              <a:rPr lang="en-US" altLang="ko-KR" sz="1200"/>
+              <a:t>Node</a:t>
+            </a:r>
+          </a:p>
+          <a:p>
             <a:endParaRPr lang="ko-KR" altLang="en-US" sz="1400" dirty="0"/>
           </a:p>
         </p:txBody>
@@ -4160,7 +4179,7 @@
         </p:nvSpPr>
         <p:spPr>
           <a:xfrm>
-            <a:off x="7301451" y="2096595"/>
+            <a:off x="7301451" y="2464464"/>
             <a:ext cx="1715096" cy="1101456"/>
           </a:xfrm>
           <a:prstGeom prst="roundRect">
@@ -4211,7 +4230,7 @@
         </p:nvSpPr>
         <p:spPr>
           <a:xfrm>
-            <a:off x="7612531" y="2592959"/>
+            <a:off x="7612531" y="2960828"/>
             <a:ext cx="1092935" cy="504056"/>
           </a:xfrm>
           <a:prstGeom prst="roundRect">
@@ -4249,7 +4268,7 @@
             <a:pPr algn="ctr"/>
             <a:r>
               <a:rPr lang="en-US" altLang="ko-KR" sz="1100"/>
-              <a:t> 20.0.0.4</a:t>
+              <a:t> 30.0.0.19</a:t>
             </a:r>
             <a:endParaRPr lang="en-US" altLang="ko-KR" sz="1100" dirty="0"/>
           </a:p>
@@ -4269,7 +4288,7 @@
         </p:nvSpPr>
         <p:spPr>
           <a:xfrm>
-            <a:off x="5451788" y="2096595"/>
+            <a:off x="5451788" y="2464464"/>
             <a:ext cx="1715096" cy="1101456"/>
           </a:xfrm>
           <a:prstGeom prst="roundRect">
@@ -4327,7 +4346,7 @@
         </p:nvSpPr>
         <p:spPr>
           <a:xfrm>
-            <a:off x="5762868" y="2592959"/>
+            <a:off x="5762868" y="2960828"/>
             <a:ext cx="1092935" cy="504056"/>
           </a:xfrm>
           <a:prstGeom prst="roundRect">
@@ -4366,7 +4385,7 @@
             <a:pPr algn="ctr"/>
             <a:r>
               <a:rPr lang="en-US" altLang="ko-KR" sz="1100"/>
-              <a:t>20.0.0.7</a:t>
+              <a:t>30.0.0.12</a:t>
             </a:r>
             <a:endParaRPr lang="en-US" altLang="ko-KR" sz="1100" dirty="0"/>
           </a:p>
@@ -4386,7 +4405,7 @@
         </p:nvSpPr>
         <p:spPr>
           <a:xfrm>
-            <a:off x="2809407" y="3281694"/>
+            <a:off x="2809407" y="3649563"/>
             <a:ext cx="1157442" cy="504056"/>
           </a:xfrm>
           <a:prstGeom prst="roundRect">
@@ -4443,8 +4462,8 @@
         </p:nvSpPr>
         <p:spPr>
           <a:xfrm>
-            <a:off x="1518447" y="1491630"/>
-            <a:ext cx="3749050" cy="2365727"/>
+            <a:off x="1518447" y="1175773"/>
+            <a:ext cx="3749050" cy="3049454"/>
           </a:xfrm>
           <a:prstGeom prst="roundRect">
             <a:avLst>
@@ -4471,21 +4490,30 @@
           <a:bodyPr rtlCol="0" anchor="t"/>
           <a:lstStyle/>
           <a:p>
-            <a:pPr algn="ctr"/>
             <a:r>
               <a:rPr lang="en-US" altLang="ko-KR" sz="1200"/>
-              <a:t>Node 02 : ODROID-H2</a:t>
-            </a:r>
-          </a:p>
-          <a:p>
-            <a:pPr algn="ctr"/>
+              <a:t>Node 02 : </a:t>
+            </a:r>
+          </a:p>
+          <a:p>
             <a:r>
               <a:rPr lang="en-US" altLang="ko-KR" sz="1200"/>
-              <a:t>Compute Node</a:t>
-            </a:r>
-          </a:p>
-          <a:p>
-            <a:pPr algn="ctr"/>
+              <a:t>ODROID-H2</a:t>
+            </a:r>
+          </a:p>
+          <a:p>
+            <a:r>
+              <a:rPr lang="en-US" altLang="ko-KR" sz="1200"/>
+              <a:t>Compute </a:t>
+            </a:r>
+          </a:p>
+          <a:p>
+            <a:r>
+              <a:rPr lang="en-US" altLang="ko-KR" sz="1200"/>
+              <a:t>Node</a:t>
+            </a:r>
+          </a:p>
+          <a:p>
             <a:endParaRPr lang="ko-KR" altLang="en-US" sz="1400" dirty="0"/>
           </a:p>
         </p:txBody>
@@ -4504,7 +4532,7 @@
         </p:nvSpPr>
         <p:spPr>
           <a:xfrm>
-            <a:off x="3460444" y="2096595"/>
+            <a:off x="3460444" y="2464464"/>
             <a:ext cx="1715096" cy="1101456"/>
           </a:xfrm>
           <a:prstGeom prst="roundRect">
@@ -4562,7 +4590,7 @@
         </p:nvSpPr>
         <p:spPr>
           <a:xfrm>
-            <a:off x="3771524" y="2592959"/>
+            <a:off x="3771524" y="2960828"/>
             <a:ext cx="1092935" cy="504056"/>
           </a:xfrm>
           <a:prstGeom prst="roundRect">
@@ -4600,7 +4628,7 @@
             <a:pPr algn="ctr"/>
             <a:r>
               <a:rPr lang="en-US" altLang="ko-KR" sz="1100"/>
-              <a:t> 20.0.0.8</a:t>
+              <a:t> 30.0.0.13</a:t>
             </a:r>
             <a:endParaRPr lang="en-US" altLang="ko-KR" sz="1100" dirty="0"/>
           </a:p>
@@ -4620,7 +4648,7 @@
         </p:nvSpPr>
         <p:spPr>
           <a:xfrm>
-            <a:off x="1610781" y="2096595"/>
+            <a:off x="1610781" y="2464464"/>
             <a:ext cx="1715096" cy="1101456"/>
           </a:xfrm>
           <a:prstGeom prst="roundRect">
@@ -4678,7 +4706,7 @@
         </p:nvSpPr>
         <p:spPr>
           <a:xfrm>
-            <a:off x="1921861" y="2592959"/>
+            <a:off x="1921861" y="2960828"/>
             <a:ext cx="1092935" cy="504056"/>
           </a:xfrm>
           <a:prstGeom prst="roundRect">
@@ -4717,7 +4745,7 @@
             <a:pPr algn="ctr"/>
             <a:r>
               <a:rPr lang="en-US" altLang="ko-KR" sz="1100"/>
-              <a:t>20.0.0.5</a:t>
+              <a:t>30.0.0.11</a:t>
             </a:r>
             <a:endParaRPr lang="en-US" altLang="ko-KR" sz="1100" dirty="0"/>
           </a:p>
@@ -4741,15 +4769,15 @@
         </p:nvCxnSpPr>
         <p:spPr>
           <a:xfrm>
-            <a:off x="4317992" y="3097015"/>
-            <a:ext cx="2915987" cy="1364602"/>
+            <a:off x="4317992" y="3464884"/>
+            <a:ext cx="2915987" cy="947958"/>
           </a:xfrm>
           <a:prstGeom prst="line">
             <a:avLst/>
           </a:prstGeom>
           <a:ln w="28575">
             <a:solidFill>
-              <a:schemeClr val="tx1"/>
+              <a:schemeClr val="tx2"/>
             </a:solidFill>
           </a:ln>
         </p:spPr>
@@ -4786,15 +4814,15 @@
         </p:nvCxnSpPr>
         <p:spPr>
           <a:xfrm>
-            <a:off x="2468329" y="3097015"/>
-            <a:ext cx="4765650" cy="1364602"/>
+            <a:off x="2468329" y="3464884"/>
+            <a:ext cx="4765650" cy="947958"/>
           </a:xfrm>
           <a:prstGeom prst="line">
             <a:avLst/>
           </a:prstGeom>
           <a:ln w="28575">
             <a:solidFill>
-              <a:schemeClr val="tx1"/>
+              <a:schemeClr val="tx2"/>
             </a:solidFill>
           </a:ln>
         </p:spPr>
@@ -4831,15 +4859,15 @@
         </p:nvCxnSpPr>
         <p:spPr>
           <a:xfrm>
-            <a:off x="6309336" y="3097015"/>
-            <a:ext cx="924643" cy="1364602"/>
+            <a:off x="6309336" y="3464884"/>
+            <a:ext cx="924643" cy="947958"/>
           </a:xfrm>
           <a:prstGeom prst="line">
             <a:avLst/>
           </a:prstGeom>
           <a:ln w="28575">
             <a:solidFill>
-              <a:schemeClr val="tx1"/>
+              <a:schemeClr val="tx2"/>
             </a:solidFill>
           </a:ln>
         </p:spPr>
@@ -4876,15 +4904,15 @@
         </p:nvCxnSpPr>
         <p:spPr>
           <a:xfrm flipH="1">
-            <a:off x="7233979" y="3097015"/>
-            <a:ext cx="925020" cy="1364602"/>
+            <a:off x="7233979" y="3464884"/>
+            <a:ext cx="925020" cy="947958"/>
           </a:xfrm>
           <a:prstGeom prst="line">
             <a:avLst/>
           </a:prstGeom>
           <a:ln w="28575">
             <a:solidFill>
-              <a:schemeClr val="tx1"/>
+              <a:schemeClr val="tx2"/>
             </a:solidFill>
           </a:ln>
         </p:spPr>
@@ -4921,7 +4949,7 @@
         </p:nvCxnSpPr>
         <p:spPr>
           <a:xfrm flipH="1">
-            <a:off x="5964208" y="4726855"/>
+            <a:off x="5964208" y="4678080"/>
             <a:ext cx="619087" cy="1"/>
           </a:xfrm>
           <a:prstGeom prst="line">
@@ -4962,8 +4990,8 @@
         </p:nvSpPr>
         <p:spPr>
           <a:xfrm>
-            <a:off x="4662841" y="4461618"/>
-            <a:ext cx="1301367" cy="530476"/>
+            <a:off x="4662841" y="4334266"/>
+            <a:ext cx="1301367" cy="687630"/>
           </a:xfrm>
           <a:prstGeom prst="roundRect">
             <a:avLst>
@@ -5000,7 +5028,7 @@
             <a:pPr algn="ctr"/>
             <a:r>
               <a:rPr lang="en-US" altLang="ko-KR" sz="1100"/>
-              <a:t>192.168.0.205</a:t>
+              <a:t>192.168.0.225</a:t>
             </a:r>
           </a:p>
           <a:p>
@@ -5008,6 +5036,13 @@
             <a:r>
               <a:rPr lang="en-US" altLang="ko-KR" sz="1100"/>
               <a:t>20.0.0.1</a:t>
+            </a:r>
+          </a:p>
+          <a:p>
+            <a:pPr algn="ctr"/>
+            <a:r>
+              <a:rPr lang="en-US" altLang="ko-KR" sz="1100"/>
+              <a:t>30.0.0.1</a:t>
             </a:r>
             <a:endParaRPr lang="en-US" altLang="ko-KR" sz="1100" dirty="0"/>
           </a:p>
@@ -5031,8 +5066,8 @@
         </p:nvCxnSpPr>
         <p:spPr>
           <a:xfrm flipH="1">
-            <a:off x="4043754" y="4726856"/>
-            <a:ext cx="619087" cy="0"/>
+            <a:off x="4038287" y="4678081"/>
+            <a:ext cx="624554" cy="0"/>
           </a:xfrm>
           <a:prstGeom prst="line">
             <a:avLst/>
@@ -5058,6 +5093,654 @@
           </a:fontRef>
         </p:style>
       </p:cxnSp>
+      <p:sp>
+        <p:nvSpPr>
+          <p:cNvPr id="32" name="모서리가 둥근 직사각형 47">
+            <a:extLst>
+              <a:ext uri="{FF2B5EF4-FFF2-40B4-BE49-F238E27FC236}">
+                <a16:creationId xmlns:a16="http://schemas.microsoft.com/office/drawing/2014/main" id="{A0B7B0B1-8D3F-43A7-AB45-FDF221780F6E}"/>
+              </a:ext>
+            </a:extLst>
+          </p:cNvPr>
+          <p:cNvSpPr/>
+          <p:nvPr/>
+        </p:nvSpPr>
+        <p:spPr>
+          <a:xfrm>
+            <a:off x="2699792" y="1273237"/>
+            <a:ext cx="2475748" cy="1101456"/>
+          </a:xfrm>
+          <a:prstGeom prst="roundRect">
+            <a:avLst>
+              <a:gd name="adj" fmla="val 11578"/>
+            </a:avLst>
+          </a:prstGeom>
+          <a:noFill/>
+        </p:spPr>
+        <p:style>
+          <a:lnRef idx="2">
+            <a:schemeClr val="dk1"/>
+          </a:lnRef>
+          <a:fillRef idx="1">
+            <a:schemeClr val="lt1"/>
+          </a:fillRef>
+          <a:effectRef idx="0">
+            <a:schemeClr val="dk1"/>
+          </a:effectRef>
+          <a:fontRef idx="minor">
+            <a:schemeClr val="dk1"/>
+          </a:fontRef>
+        </p:style>
+        <p:txBody>
+          <a:bodyPr rtlCol="0" anchor="t"/>
+          <a:lstStyle/>
+          <a:p>
+            <a:pPr algn="ctr"/>
+            <a:r>
+              <a:rPr lang="en-US" altLang="ko-KR" sz="1200" b="1"/>
+              <a:t>VM Amphora 01 : </a:t>
+            </a:r>
+          </a:p>
+          <a:p>
+            <a:pPr algn="ctr"/>
+            <a:r>
+              <a:rPr lang="en-US" altLang="ko-KR" sz="1200" b="1"/>
+              <a:t>Load Balancer (Active) </a:t>
+            </a:r>
+            <a:endParaRPr lang="en-US" altLang="ko-KR" sz="1200" b="1" dirty="0"/>
+          </a:p>
+        </p:txBody>
+      </p:sp>
+      <p:sp>
+        <p:nvSpPr>
+          <p:cNvPr id="35" name="모서리가 둥근 직사각형 23">
+            <a:extLst>
+              <a:ext uri="{FF2B5EF4-FFF2-40B4-BE49-F238E27FC236}">
+                <a16:creationId xmlns:a16="http://schemas.microsoft.com/office/drawing/2014/main" id="{FD3FC757-031F-4610-8A08-EDBC4567256B}"/>
+              </a:ext>
+            </a:extLst>
+          </p:cNvPr>
+          <p:cNvSpPr/>
+          <p:nvPr/>
+        </p:nvSpPr>
+        <p:spPr>
+          <a:xfrm>
+            <a:off x="3983121" y="1769601"/>
+            <a:ext cx="1092935" cy="504056"/>
+          </a:xfrm>
+          <a:prstGeom prst="roundRect">
+            <a:avLst>
+              <a:gd name="adj" fmla="val 11578"/>
+            </a:avLst>
+          </a:prstGeom>
+          <a:noFill/>
+        </p:spPr>
+        <p:style>
+          <a:lnRef idx="2">
+            <a:schemeClr val="dk1"/>
+          </a:lnRef>
+          <a:fillRef idx="1">
+            <a:schemeClr val="lt1"/>
+          </a:fillRef>
+          <a:effectRef idx="0">
+            <a:schemeClr val="dk1"/>
+          </a:effectRef>
+          <a:fontRef idx="minor">
+            <a:schemeClr val="dk1"/>
+          </a:fontRef>
+        </p:style>
+        <p:txBody>
+          <a:bodyPr rtlCol="0" anchor="ctr"/>
+          <a:lstStyle/>
+          <a:p>
+            <a:pPr algn="ctr"/>
+            <a:r>
+              <a:rPr lang="en-US" altLang="ko-KR" sz="1100"/>
+              <a:t>eth1</a:t>
+            </a:r>
+          </a:p>
+          <a:p>
+            <a:pPr algn="ctr"/>
+            <a:r>
+              <a:rPr lang="en-US" altLang="ko-KR" sz="1100"/>
+              <a:t> 30.0.0.21</a:t>
+            </a:r>
+          </a:p>
+          <a:p>
+            <a:pPr algn="ctr"/>
+            <a:r>
+              <a:rPr lang="en-US" altLang="ko-KR" sz="1100" b="1"/>
+              <a:t>30.0.0.31</a:t>
+            </a:r>
+            <a:endParaRPr lang="en-US" altLang="ko-KR" sz="1100" b="1" dirty="0"/>
+          </a:p>
+        </p:txBody>
+      </p:sp>
+      <p:sp>
+        <p:nvSpPr>
+          <p:cNvPr id="46" name="모서리가 둥근 직사각형 46">
+            <a:extLst>
+              <a:ext uri="{FF2B5EF4-FFF2-40B4-BE49-F238E27FC236}">
+                <a16:creationId xmlns:a16="http://schemas.microsoft.com/office/drawing/2014/main" id="{918624F6-DA2D-42E7-BED8-4CFC8256DD41}"/>
+              </a:ext>
+            </a:extLst>
+          </p:cNvPr>
+          <p:cNvSpPr/>
+          <p:nvPr/>
+        </p:nvSpPr>
+        <p:spPr>
+          <a:xfrm>
+            <a:off x="4662838" y="555526"/>
+            <a:ext cx="1301370" cy="530476"/>
+          </a:xfrm>
+          <a:prstGeom prst="roundRect">
+            <a:avLst>
+              <a:gd name="adj" fmla="val 11578"/>
+            </a:avLst>
+          </a:prstGeom>
+          <a:noFill/>
+          <a:ln>
+            <a:solidFill>
+              <a:schemeClr val="accent3">
+                <a:lumMod val="50000"/>
+              </a:schemeClr>
+            </a:solidFill>
+          </a:ln>
+        </p:spPr>
+        <p:style>
+          <a:lnRef idx="2">
+            <a:schemeClr val="dk1"/>
+          </a:lnRef>
+          <a:fillRef idx="1">
+            <a:schemeClr val="lt1"/>
+          </a:fillRef>
+          <a:effectRef idx="0">
+            <a:schemeClr val="dk1"/>
+          </a:effectRef>
+          <a:fontRef idx="minor">
+            <a:schemeClr val="dk1"/>
+          </a:fontRef>
+        </p:style>
+        <p:txBody>
+          <a:bodyPr rtlCol="0" anchor="ctr"/>
+          <a:lstStyle/>
+          <a:p>
+            <a:pPr algn="ctr"/>
+            <a:r>
+              <a:rPr lang="en-US" altLang="ko-KR" sz="1100"/>
+              <a:t>Octavia Network</a:t>
+            </a:r>
+          </a:p>
+          <a:p>
+            <a:pPr algn="ctr"/>
+            <a:r>
+              <a:rPr lang="en-US" altLang="ko-KR" sz="1100"/>
+              <a:t>20.0.0.0/24</a:t>
+            </a:r>
+            <a:endParaRPr lang="en-US" altLang="ko-KR" sz="1100" dirty="0"/>
+          </a:p>
+        </p:txBody>
+      </p:sp>
+      <p:cxnSp>
+        <p:nvCxnSpPr>
+          <p:cNvPr id="49" name="직선 연결선 48">
+            <a:extLst>
+              <a:ext uri="{FF2B5EF4-FFF2-40B4-BE49-F238E27FC236}">
+                <a16:creationId xmlns:a16="http://schemas.microsoft.com/office/drawing/2014/main" id="{06515C40-6FCF-4921-BBC3-57A78AA7DD60}"/>
+              </a:ext>
+            </a:extLst>
+          </p:cNvPr>
+          <p:cNvCxnSpPr>
+            <a:cxnSpLocks/>
+            <a:stCxn id="46" idx="2"/>
+            <a:endCxn id="109" idx="0"/>
+          </p:cNvCxnSpPr>
+          <p:nvPr/>
+        </p:nvCxnSpPr>
+        <p:spPr>
+          <a:xfrm>
+            <a:off x="5313523" y="1086002"/>
+            <a:ext cx="2" cy="3248264"/>
+          </a:xfrm>
+          <a:prstGeom prst="line">
+            <a:avLst/>
+          </a:prstGeom>
+          <a:ln w="28575">
+            <a:solidFill>
+              <a:schemeClr val="tx1"/>
+            </a:solidFill>
+          </a:ln>
+        </p:spPr>
+        <p:style>
+          <a:lnRef idx="1">
+            <a:schemeClr val="accent1"/>
+          </a:lnRef>
+          <a:fillRef idx="0">
+            <a:schemeClr val="accent1"/>
+          </a:fillRef>
+          <a:effectRef idx="0">
+            <a:schemeClr val="accent1"/>
+          </a:effectRef>
+          <a:fontRef idx="minor">
+            <a:schemeClr val="tx1"/>
+          </a:fontRef>
+        </p:style>
+      </p:cxnSp>
+      <p:cxnSp>
+        <p:nvCxnSpPr>
+          <p:cNvPr id="50" name="직선 연결선 49">
+            <a:extLst>
+              <a:ext uri="{FF2B5EF4-FFF2-40B4-BE49-F238E27FC236}">
+                <a16:creationId xmlns:a16="http://schemas.microsoft.com/office/drawing/2014/main" id="{6CE92363-3DDB-4EF8-86C3-134D887E810B}"/>
+              </a:ext>
+            </a:extLst>
+          </p:cNvPr>
+          <p:cNvCxnSpPr>
+            <a:cxnSpLocks/>
+            <a:stCxn id="46" idx="2"/>
+            <a:endCxn id="89" idx="0"/>
+          </p:cNvCxnSpPr>
+          <p:nvPr/>
+        </p:nvCxnSpPr>
+        <p:spPr>
+          <a:xfrm flipH="1">
+            <a:off x="3342295" y="1086002"/>
+            <a:ext cx="1971228" cy="683599"/>
+          </a:xfrm>
+          <a:prstGeom prst="line">
+            <a:avLst/>
+          </a:prstGeom>
+          <a:ln w="28575">
+            <a:solidFill>
+              <a:schemeClr val="accent3">
+                <a:lumMod val="50000"/>
+              </a:schemeClr>
+            </a:solidFill>
+          </a:ln>
+        </p:spPr>
+        <p:style>
+          <a:lnRef idx="1">
+            <a:schemeClr val="accent1"/>
+          </a:lnRef>
+          <a:fillRef idx="0">
+            <a:schemeClr val="accent1"/>
+          </a:fillRef>
+          <a:effectRef idx="0">
+            <a:schemeClr val="accent1"/>
+          </a:effectRef>
+          <a:fontRef idx="minor">
+            <a:schemeClr val="tx1"/>
+          </a:fontRef>
+        </p:style>
+      </p:cxnSp>
+      <p:cxnSp>
+        <p:nvCxnSpPr>
+          <p:cNvPr id="53" name="직선 연결선 52">
+            <a:extLst>
+              <a:ext uri="{FF2B5EF4-FFF2-40B4-BE49-F238E27FC236}">
+                <a16:creationId xmlns:a16="http://schemas.microsoft.com/office/drawing/2014/main" id="{B0360BFA-1E85-4363-BD66-E7C8D95B9211}"/>
+              </a:ext>
+            </a:extLst>
+          </p:cNvPr>
+          <p:cNvCxnSpPr>
+            <a:cxnSpLocks/>
+            <a:stCxn id="46" idx="2"/>
+            <a:endCxn id="94" idx="0"/>
+          </p:cNvCxnSpPr>
+          <p:nvPr/>
+        </p:nvCxnSpPr>
+        <p:spPr>
+          <a:xfrm>
+            <a:off x="5313523" y="1086002"/>
+            <a:ext cx="1858982" cy="683599"/>
+          </a:xfrm>
+          <a:prstGeom prst="line">
+            <a:avLst/>
+          </a:prstGeom>
+          <a:ln w="28575">
+            <a:solidFill>
+              <a:schemeClr val="accent3">
+                <a:lumMod val="50000"/>
+              </a:schemeClr>
+            </a:solidFill>
+          </a:ln>
+        </p:spPr>
+        <p:style>
+          <a:lnRef idx="1">
+            <a:schemeClr val="accent1"/>
+          </a:lnRef>
+          <a:fillRef idx="0">
+            <a:schemeClr val="accent1"/>
+          </a:fillRef>
+          <a:effectRef idx="0">
+            <a:schemeClr val="accent1"/>
+          </a:effectRef>
+          <a:fontRef idx="minor">
+            <a:schemeClr val="tx1"/>
+          </a:fontRef>
+        </p:style>
+      </p:cxnSp>
+      <p:cxnSp>
+        <p:nvCxnSpPr>
+          <p:cNvPr id="65" name="직선 연결선 64">
+            <a:extLst>
+              <a:ext uri="{FF2B5EF4-FFF2-40B4-BE49-F238E27FC236}">
+                <a16:creationId xmlns:a16="http://schemas.microsoft.com/office/drawing/2014/main" id="{B8BC6221-10DE-477F-BF4D-FD25A6013CFC}"/>
+              </a:ext>
+            </a:extLst>
+          </p:cNvPr>
+          <p:cNvCxnSpPr>
+            <a:cxnSpLocks/>
+            <a:stCxn id="48" idx="0"/>
+            <a:endCxn id="35" idx="2"/>
+          </p:cNvCxnSpPr>
+          <p:nvPr/>
+        </p:nvCxnSpPr>
+        <p:spPr>
+          <a:xfrm flipH="1" flipV="1">
+            <a:off x="4529589" y="2273657"/>
+            <a:ext cx="2704390" cy="2139185"/>
+          </a:xfrm>
+          <a:prstGeom prst="line">
+            <a:avLst/>
+          </a:prstGeom>
+          <a:ln w="28575">
+            <a:solidFill>
+              <a:schemeClr val="tx2"/>
+            </a:solidFill>
+          </a:ln>
+        </p:spPr>
+        <p:style>
+          <a:lnRef idx="1">
+            <a:schemeClr val="accent1"/>
+          </a:lnRef>
+          <a:fillRef idx="0">
+            <a:schemeClr val="accent1"/>
+          </a:fillRef>
+          <a:effectRef idx="0">
+            <a:schemeClr val="accent1"/>
+          </a:effectRef>
+          <a:fontRef idx="minor">
+            <a:schemeClr val="tx1"/>
+          </a:fontRef>
+        </p:style>
+      </p:cxnSp>
+      <p:cxnSp>
+        <p:nvCxnSpPr>
+          <p:cNvPr id="67" name="직선 연결선 66">
+            <a:extLst>
+              <a:ext uri="{FF2B5EF4-FFF2-40B4-BE49-F238E27FC236}">
+                <a16:creationId xmlns:a16="http://schemas.microsoft.com/office/drawing/2014/main" id="{3625FF59-6838-4155-8609-598D55B0A54C}"/>
+              </a:ext>
+            </a:extLst>
+          </p:cNvPr>
+          <p:cNvCxnSpPr>
+            <a:cxnSpLocks/>
+            <a:stCxn id="48" idx="0"/>
+            <a:endCxn id="93" idx="2"/>
+          </p:cNvCxnSpPr>
+          <p:nvPr/>
+        </p:nvCxnSpPr>
+        <p:spPr>
+          <a:xfrm flipV="1">
+            <a:off x="7233979" y="2273657"/>
+            <a:ext cx="1125820" cy="2139185"/>
+          </a:xfrm>
+          <a:prstGeom prst="line">
+            <a:avLst/>
+          </a:prstGeom>
+          <a:ln w="28575">
+            <a:solidFill>
+              <a:schemeClr val="tx2"/>
+            </a:solidFill>
+          </a:ln>
+        </p:spPr>
+        <p:style>
+          <a:lnRef idx="1">
+            <a:schemeClr val="accent1"/>
+          </a:lnRef>
+          <a:fillRef idx="0">
+            <a:schemeClr val="accent1"/>
+          </a:fillRef>
+          <a:effectRef idx="0">
+            <a:schemeClr val="accent1"/>
+          </a:effectRef>
+          <a:fontRef idx="minor">
+            <a:schemeClr val="tx1"/>
+          </a:fontRef>
+        </p:style>
+      </p:cxnSp>
+      <p:sp>
+        <p:nvSpPr>
+          <p:cNvPr id="89" name="모서리가 둥근 직사각형 23">
+            <a:extLst>
+              <a:ext uri="{FF2B5EF4-FFF2-40B4-BE49-F238E27FC236}">
+                <a16:creationId xmlns:a16="http://schemas.microsoft.com/office/drawing/2014/main" id="{80DC30F3-DEA8-4C8B-B202-CE0499F3F275}"/>
+              </a:ext>
+            </a:extLst>
+          </p:cNvPr>
+          <p:cNvSpPr/>
+          <p:nvPr/>
+        </p:nvSpPr>
+        <p:spPr>
+          <a:xfrm>
+            <a:off x="2795827" y="1769601"/>
+            <a:ext cx="1092935" cy="504056"/>
+          </a:xfrm>
+          <a:prstGeom prst="roundRect">
+            <a:avLst>
+              <a:gd name="adj" fmla="val 11578"/>
+            </a:avLst>
+          </a:prstGeom>
+          <a:noFill/>
+        </p:spPr>
+        <p:style>
+          <a:lnRef idx="2">
+            <a:schemeClr val="dk1"/>
+          </a:lnRef>
+          <a:fillRef idx="1">
+            <a:schemeClr val="lt1"/>
+          </a:fillRef>
+          <a:effectRef idx="0">
+            <a:schemeClr val="dk1"/>
+          </a:effectRef>
+          <a:fontRef idx="minor">
+            <a:schemeClr val="dk1"/>
+          </a:fontRef>
+        </p:style>
+        <p:txBody>
+          <a:bodyPr rtlCol="0" anchor="ctr"/>
+          <a:lstStyle/>
+          <a:p>
+            <a:pPr algn="ctr"/>
+            <a:r>
+              <a:rPr lang="en-US" altLang="ko-KR" sz="1100"/>
+              <a:t>eth0</a:t>
+            </a:r>
+          </a:p>
+          <a:p>
+            <a:pPr algn="ctr"/>
+            <a:r>
+              <a:rPr lang="en-US" altLang="ko-KR" sz="1100"/>
+              <a:t> 20.0.0.11</a:t>
+            </a:r>
+            <a:endParaRPr lang="en-US" altLang="ko-KR" sz="1100" dirty="0"/>
+          </a:p>
+        </p:txBody>
+      </p:sp>
+      <p:sp>
+        <p:nvSpPr>
+          <p:cNvPr id="92" name="모서리가 둥근 직사각형 47">
+            <a:extLst>
+              <a:ext uri="{FF2B5EF4-FFF2-40B4-BE49-F238E27FC236}">
+                <a16:creationId xmlns:a16="http://schemas.microsoft.com/office/drawing/2014/main" id="{5467A98E-18D8-46DA-BE9C-F67253FB8F1A}"/>
+              </a:ext>
+            </a:extLst>
+          </p:cNvPr>
+          <p:cNvSpPr/>
+          <p:nvPr/>
+        </p:nvSpPr>
+        <p:spPr>
+          <a:xfrm>
+            <a:off x="6530002" y="1273237"/>
+            <a:ext cx="2475748" cy="1101456"/>
+          </a:xfrm>
+          <a:prstGeom prst="roundRect">
+            <a:avLst>
+              <a:gd name="adj" fmla="val 11578"/>
+            </a:avLst>
+          </a:prstGeom>
+          <a:noFill/>
+        </p:spPr>
+        <p:style>
+          <a:lnRef idx="2">
+            <a:schemeClr val="dk1"/>
+          </a:lnRef>
+          <a:fillRef idx="1">
+            <a:schemeClr val="lt1"/>
+          </a:fillRef>
+          <a:effectRef idx="0">
+            <a:schemeClr val="dk1"/>
+          </a:effectRef>
+          <a:fontRef idx="minor">
+            <a:schemeClr val="dk1"/>
+          </a:fontRef>
+        </p:style>
+        <p:txBody>
+          <a:bodyPr rtlCol="0" anchor="t"/>
+          <a:lstStyle/>
+          <a:p>
+            <a:pPr algn="ctr"/>
+            <a:r>
+              <a:rPr lang="en-US" altLang="ko-KR" sz="1200" b="1"/>
+              <a:t>VM Amphora 01 : </a:t>
+            </a:r>
+          </a:p>
+          <a:p>
+            <a:pPr algn="ctr"/>
+            <a:r>
+              <a:rPr lang="en-US" altLang="ko-KR" sz="1200" b="1"/>
+              <a:t>Load Balancer (Standby)</a:t>
+            </a:r>
+            <a:endParaRPr lang="en-US" altLang="ko-KR" sz="1200" b="1" dirty="0"/>
+          </a:p>
+        </p:txBody>
+      </p:sp>
+      <p:sp>
+        <p:nvSpPr>
+          <p:cNvPr id="93" name="모서리가 둥근 직사각형 23">
+            <a:extLst>
+              <a:ext uri="{FF2B5EF4-FFF2-40B4-BE49-F238E27FC236}">
+                <a16:creationId xmlns:a16="http://schemas.microsoft.com/office/drawing/2014/main" id="{2025696E-3B1B-4C6E-9D24-7D856196428E}"/>
+              </a:ext>
+            </a:extLst>
+          </p:cNvPr>
+          <p:cNvSpPr/>
+          <p:nvPr/>
+        </p:nvSpPr>
+        <p:spPr>
+          <a:xfrm>
+            <a:off x="7813331" y="1769601"/>
+            <a:ext cx="1092935" cy="504056"/>
+          </a:xfrm>
+          <a:prstGeom prst="roundRect">
+            <a:avLst>
+              <a:gd name="adj" fmla="val 11578"/>
+            </a:avLst>
+          </a:prstGeom>
+          <a:noFill/>
+        </p:spPr>
+        <p:style>
+          <a:lnRef idx="2">
+            <a:schemeClr val="dk1"/>
+          </a:lnRef>
+          <a:fillRef idx="1">
+            <a:schemeClr val="lt1"/>
+          </a:fillRef>
+          <a:effectRef idx="0">
+            <a:schemeClr val="dk1"/>
+          </a:effectRef>
+          <a:fontRef idx="minor">
+            <a:schemeClr val="dk1"/>
+          </a:fontRef>
+        </p:style>
+        <p:txBody>
+          <a:bodyPr rtlCol="0" anchor="ctr"/>
+          <a:lstStyle/>
+          <a:p>
+            <a:pPr algn="ctr"/>
+            <a:r>
+              <a:rPr lang="en-US" altLang="ko-KR" sz="1100"/>
+              <a:t>eth1</a:t>
+            </a:r>
+          </a:p>
+          <a:p>
+            <a:pPr algn="ctr"/>
+            <a:r>
+              <a:rPr lang="en-US" altLang="ko-KR" sz="1100"/>
+              <a:t> 30.0.0.22</a:t>
+            </a:r>
+          </a:p>
+        </p:txBody>
+      </p:sp>
+      <p:sp>
+        <p:nvSpPr>
+          <p:cNvPr id="94" name="모서리가 둥근 직사각형 23">
+            <a:extLst>
+              <a:ext uri="{FF2B5EF4-FFF2-40B4-BE49-F238E27FC236}">
+                <a16:creationId xmlns:a16="http://schemas.microsoft.com/office/drawing/2014/main" id="{0EA52679-265C-4354-81B6-1478C5F9D8B0}"/>
+              </a:ext>
+            </a:extLst>
+          </p:cNvPr>
+          <p:cNvSpPr/>
+          <p:nvPr/>
+        </p:nvSpPr>
+        <p:spPr>
+          <a:xfrm>
+            <a:off x="6626037" y="1769601"/>
+            <a:ext cx="1092935" cy="504056"/>
+          </a:xfrm>
+          <a:prstGeom prst="roundRect">
+            <a:avLst>
+              <a:gd name="adj" fmla="val 11578"/>
+            </a:avLst>
+          </a:prstGeom>
+          <a:noFill/>
+        </p:spPr>
+        <p:style>
+          <a:lnRef idx="2">
+            <a:schemeClr val="dk1"/>
+          </a:lnRef>
+          <a:fillRef idx="1">
+            <a:schemeClr val="lt1"/>
+          </a:fillRef>
+          <a:effectRef idx="0">
+            <a:schemeClr val="dk1"/>
+          </a:effectRef>
+          <a:fontRef idx="minor">
+            <a:schemeClr val="dk1"/>
+          </a:fontRef>
+        </p:style>
+        <p:txBody>
+          <a:bodyPr rtlCol="0" anchor="ctr"/>
+          <a:lstStyle/>
+          <a:p>
+            <a:pPr algn="ctr"/>
+            <a:r>
+              <a:rPr lang="en-US" altLang="ko-KR" sz="1100"/>
+              <a:t>eth0</a:t>
+            </a:r>
+          </a:p>
+          <a:p>
+            <a:pPr algn="ctr"/>
+            <a:r>
+              <a:rPr lang="en-US" altLang="ko-KR" sz="1100"/>
+              <a:t> 20.0.0.12</a:t>
+            </a:r>
+            <a:endParaRPr lang="en-US" altLang="ko-KR" sz="1100" dirty="0"/>
+          </a:p>
+        </p:txBody>
+      </p:sp>
     </p:spTree>
     <p:extLst>
       <p:ext uri="{BB962C8B-B14F-4D97-AF65-F5344CB8AC3E}">

--- a/images/record/Kubernetes_kubespray_Ubuntu_18.04_OpenStack/Kubernetes_Install.pptx
+++ b/images/record/Kubernetes_kubespray_Ubuntu_18.04_OpenStack/Kubernetes_Install.pptx
@@ -214,7 +214,7 @@
           <a:p>
             <a:fld id="{6CD5550B-26C4-49A9-A5BA-636EF7BE6CE9}" type="datetimeFigureOut">
               <a:rPr lang="ko-KR" altLang="en-US" smtClean="0"/>
-              <a:t>2019-07-26</a:t>
+              <a:t>2019-07-30</a:t>
             </a:fld>
             <a:endParaRPr lang="ko-KR" altLang="en-US"/>
           </a:p>
@@ -828,7 +828,7 @@
           <a:p>
             <a:fld id="{FB30EDBD-1C2D-4C1E-B459-B60219FAB484}" type="datetimeFigureOut">
               <a:rPr lang="ko-KR" altLang="en-US" smtClean="0"/>
-              <a:t>2019-07-26</a:t>
+              <a:t>2019-07-30</a:t>
             </a:fld>
             <a:endParaRPr lang="ko-KR" altLang="en-US"/>
           </a:p>
@@ -991,7 +991,7 @@
           <a:p>
             <a:fld id="{FB30EDBD-1C2D-4C1E-B459-B60219FAB484}" type="datetimeFigureOut">
               <a:rPr lang="ko-KR" altLang="en-US" smtClean="0"/>
-              <a:t>2019-07-26</a:t>
+              <a:t>2019-07-30</a:t>
             </a:fld>
             <a:endParaRPr lang="ko-KR" altLang="en-US"/>
           </a:p>
@@ -1164,7 +1164,7 @@
           <a:p>
             <a:fld id="{FB30EDBD-1C2D-4C1E-B459-B60219FAB484}" type="datetimeFigureOut">
               <a:rPr lang="ko-KR" altLang="en-US" smtClean="0"/>
-              <a:t>2019-07-26</a:t>
+              <a:t>2019-07-30</a:t>
             </a:fld>
             <a:endParaRPr lang="ko-KR" altLang="en-US"/>
           </a:p>
@@ -1327,7 +1327,7 @@
           <a:p>
             <a:fld id="{FB30EDBD-1C2D-4C1E-B459-B60219FAB484}" type="datetimeFigureOut">
               <a:rPr lang="ko-KR" altLang="en-US" smtClean="0"/>
-              <a:t>2019-07-26</a:t>
+              <a:t>2019-07-30</a:t>
             </a:fld>
             <a:endParaRPr lang="ko-KR" altLang="en-US"/>
           </a:p>
@@ -1567,7 +1567,7 @@
           <a:p>
             <a:fld id="{FB30EDBD-1C2D-4C1E-B459-B60219FAB484}" type="datetimeFigureOut">
               <a:rPr lang="ko-KR" altLang="en-US" smtClean="0"/>
-              <a:t>2019-07-26</a:t>
+              <a:t>2019-07-30</a:t>
             </a:fld>
             <a:endParaRPr lang="ko-KR" altLang="en-US"/>
           </a:p>
@@ -1847,7 +1847,7 @@
           <a:p>
             <a:fld id="{FB30EDBD-1C2D-4C1E-B459-B60219FAB484}" type="datetimeFigureOut">
               <a:rPr lang="ko-KR" altLang="en-US" smtClean="0"/>
-              <a:t>2019-07-26</a:t>
+              <a:t>2019-07-30</a:t>
             </a:fld>
             <a:endParaRPr lang="ko-KR" altLang="en-US"/>
           </a:p>
@@ -2261,7 +2261,7 @@
           <a:p>
             <a:fld id="{FB30EDBD-1C2D-4C1E-B459-B60219FAB484}" type="datetimeFigureOut">
               <a:rPr lang="ko-KR" altLang="en-US" smtClean="0"/>
-              <a:t>2019-07-26</a:t>
+              <a:t>2019-07-30</a:t>
             </a:fld>
             <a:endParaRPr lang="ko-KR" altLang="en-US"/>
           </a:p>
@@ -2373,7 +2373,7 @@
           <a:p>
             <a:fld id="{FB30EDBD-1C2D-4C1E-B459-B60219FAB484}" type="datetimeFigureOut">
               <a:rPr lang="ko-KR" altLang="en-US" smtClean="0"/>
-              <a:t>2019-07-26</a:t>
+              <a:t>2019-07-30</a:t>
             </a:fld>
             <a:endParaRPr lang="ko-KR" altLang="en-US"/>
           </a:p>
@@ -2463,7 +2463,7 @@
           <a:p>
             <a:fld id="{FB30EDBD-1C2D-4C1E-B459-B60219FAB484}" type="datetimeFigureOut">
               <a:rPr lang="ko-KR" altLang="en-US" smtClean="0"/>
-              <a:t>2019-07-26</a:t>
+              <a:t>2019-07-30</a:t>
             </a:fld>
             <a:endParaRPr lang="ko-KR" altLang="en-US"/>
           </a:p>
@@ -2733,7 +2733,7 @@
           <a:p>
             <a:fld id="{FB30EDBD-1C2D-4C1E-B459-B60219FAB484}" type="datetimeFigureOut">
               <a:rPr lang="ko-KR" altLang="en-US" smtClean="0"/>
-              <a:t>2019-07-26</a:t>
+              <a:t>2019-07-30</a:t>
             </a:fld>
             <a:endParaRPr lang="ko-KR" altLang="en-US"/>
           </a:p>
@@ -2980,7 +2980,7 @@
           <a:p>
             <a:fld id="{FB30EDBD-1C2D-4C1E-B459-B60219FAB484}" type="datetimeFigureOut">
               <a:rPr lang="ko-KR" altLang="en-US" smtClean="0"/>
-              <a:t>2019-07-26</a:t>
+              <a:t>2019-07-30</a:t>
             </a:fld>
             <a:endParaRPr lang="ko-KR" altLang="en-US"/>
           </a:p>
@@ -3186,7 +3186,7 @@
           <a:p>
             <a:fld id="{FB30EDBD-1C2D-4C1E-B459-B60219FAB484}" type="datetimeFigureOut">
               <a:rPr lang="ko-KR" altLang="en-US" smtClean="0"/>
-              <a:t>2019-07-26</a:t>
+              <a:t>2019-07-30</a:t>
             </a:fld>
             <a:endParaRPr lang="ko-KR" altLang="en-US"/>
           </a:p>
